--- a/day1/img/memory_architectures.pptx
+++ b/day1/img/memory_architectures.pptx
@@ -8,6 +8,8 @@
     <p:sldId id="256" r:id="rId2"/>
     <p:sldId id="258" r:id="rId3"/>
     <p:sldId id="257" r:id="rId4"/>
+    <p:sldId id="259" r:id="rId5"/>
+    <p:sldId id="260" r:id="rId6"/>
   </p:sldIdLst>
   <p:sldSz cx="12192000" cy="6858000"/>
   <p:notesSz cx="6858000" cy="9144000"/>
@@ -261,7 +263,7 @@
           <a:p>
             <a:fld id="{627363DA-371D-6B49-AC2A-F2335B149B3E}" type="datetimeFigureOut">
               <a:rPr lang="en-US" smtClean="0"/>
-              <a:t>5/31/20</a:t>
+              <a:t>6/4/20</a:t>
             </a:fld>
             <a:endParaRPr lang="en-US"/>
           </a:p>
@@ -459,7 +461,7 @@
           <a:p>
             <a:fld id="{627363DA-371D-6B49-AC2A-F2335B149B3E}" type="datetimeFigureOut">
               <a:rPr lang="en-US" smtClean="0"/>
-              <a:t>5/31/20</a:t>
+              <a:t>6/4/20</a:t>
             </a:fld>
             <a:endParaRPr lang="en-US"/>
           </a:p>
@@ -667,7 +669,7 @@
           <a:p>
             <a:fld id="{627363DA-371D-6B49-AC2A-F2335B149B3E}" type="datetimeFigureOut">
               <a:rPr lang="en-US" smtClean="0"/>
-              <a:t>5/31/20</a:t>
+              <a:t>6/4/20</a:t>
             </a:fld>
             <a:endParaRPr lang="en-US"/>
           </a:p>
@@ -865,7 +867,7 @@
           <a:p>
             <a:fld id="{627363DA-371D-6B49-AC2A-F2335B149B3E}" type="datetimeFigureOut">
               <a:rPr lang="en-US" smtClean="0"/>
-              <a:t>5/31/20</a:t>
+              <a:t>6/4/20</a:t>
             </a:fld>
             <a:endParaRPr lang="en-US"/>
           </a:p>
@@ -1140,7 +1142,7 @@
           <a:p>
             <a:fld id="{627363DA-371D-6B49-AC2A-F2335B149B3E}" type="datetimeFigureOut">
               <a:rPr lang="en-US" smtClean="0"/>
-              <a:t>5/31/20</a:t>
+              <a:t>6/4/20</a:t>
             </a:fld>
             <a:endParaRPr lang="en-US"/>
           </a:p>
@@ -1405,7 +1407,7 @@
           <a:p>
             <a:fld id="{627363DA-371D-6B49-AC2A-F2335B149B3E}" type="datetimeFigureOut">
               <a:rPr lang="en-US" smtClean="0"/>
-              <a:t>5/31/20</a:t>
+              <a:t>6/4/20</a:t>
             </a:fld>
             <a:endParaRPr lang="en-US"/>
           </a:p>
@@ -1817,7 +1819,7 @@
           <a:p>
             <a:fld id="{627363DA-371D-6B49-AC2A-F2335B149B3E}" type="datetimeFigureOut">
               <a:rPr lang="en-US" smtClean="0"/>
-              <a:t>5/31/20</a:t>
+              <a:t>6/4/20</a:t>
             </a:fld>
             <a:endParaRPr lang="en-US"/>
           </a:p>
@@ -1958,7 +1960,7 @@
           <a:p>
             <a:fld id="{627363DA-371D-6B49-AC2A-F2335B149B3E}" type="datetimeFigureOut">
               <a:rPr lang="en-US" smtClean="0"/>
-              <a:t>5/31/20</a:t>
+              <a:t>6/4/20</a:t>
             </a:fld>
             <a:endParaRPr lang="en-US"/>
           </a:p>
@@ -2071,7 +2073,7 @@
           <a:p>
             <a:fld id="{627363DA-371D-6B49-AC2A-F2335B149B3E}" type="datetimeFigureOut">
               <a:rPr lang="en-US" smtClean="0"/>
-              <a:t>5/31/20</a:t>
+              <a:t>6/4/20</a:t>
             </a:fld>
             <a:endParaRPr lang="en-US"/>
           </a:p>
@@ -2382,7 +2384,7 @@
           <a:p>
             <a:fld id="{627363DA-371D-6B49-AC2A-F2335B149B3E}" type="datetimeFigureOut">
               <a:rPr lang="en-US" smtClean="0"/>
-              <a:t>5/31/20</a:t>
+              <a:t>6/4/20</a:t>
             </a:fld>
             <a:endParaRPr lang="en-US"/>
           </a:p>
@@ -2670,7 +2672,7 @@
           <a:p>
             <a:fld id="{627363DA-371D-6B49-AC2A-F2335B149B3E}" type="datetimeFigureOut">
               <a:rPr lang="en-US" smtClean="0"/>
-              <a:t>5/31/20</a:t>
+              <a:t>6/4/20</a:t>
             </a:fld>
             <a:endParaRPr lang="en-US"/>
           </a:p>
@@ -2911,7 +2913,7 @@
           <a:p>
             <a:fld id="{627363DA-371D-6B49-AC2A-F2335B149B3E}" type="datetimeFigureOut">
               <a:rPr lang="en-US" smtClean="0"/>
-              <a:t>5/31/20</a:t>
+              <a:t>6/4/20</a:t>
             </a:fld>
             <a:endParaRPr lang="en-US"/>
           </a:p>
@@ -6732,6 +6734,1647 @@
 </p:sld>
 </file>
 
+<file path=ppt/slides/slide4.xml><?xml version="1.0" encoding="utf-8"?>
+<p:sld xmlns:a="http://schemas.openxmlformats.org/drawingml/2006/main" xmlns:r="http://schemas.openxmlformats.org/officeDocument/2006/relationships" xmlns:p="http://schemas.openxmlformats.org/presentationml/2006/main">
+  <p:cSld>
+    <p:spTree>
+      <p:nvGrpSpPr>
+        <p:cNvPr id="1" name=""/>
+        <p:cNvGrpSpPr/>
+        <p:nvPr/>
+      </p:nvGrpSpPr>
+      <p:grpSpPr>
+        <a:xfrm>
+          <a:off x="0" y="0"/>
+          <a:ext cx="0" cy="0"/>
+          <a:chOff x="0" y="0"/>
+          <a:chExt cx="0" cy="0"/>
+        </a:xfrm>
+      </p:grpSpPr>
+      <p:sp>
+        <p:nvSpPr>
+          <p:cNvPr id="4" name="Rounded Rectangle 3">
+            <a:extLst>
+              <a:ext uri="{FF2B5EF4-FFF2-40B4-BE49-F238E27FC236}">
+                <a16:creationId xmlns:a16="http://schemas.microsoft.com/office/drawing/2014/main" id="{DB0941BD-B65A-CE43-A844-C55F99C41325}"/>
+              </a:ext>
+            </a:extLst>
+          </p:cNvPr>
+          <p:cNvSpPr/>
+          <p:nvPr/>
+        </p:nvSpPr>
+        <p:spPr>
+          <a:xfrm>
+            <a:off x="1491343" y="261258"/>
+            <a:ext cx="5303157" cy="5410200"/>
+          </a:xfrm>
+          <a:prstGeom prst="roundRect">
+            <a:avLst>
+              <a:gd name="adj" fmla="val 3856"/>
+            </a:avLst>
+          </a:prstGeom>
+        </p:spPr>
+        <p:style>
+          <a:lnRef idx="2">
+            <a:schemeClr val="accent1">
+              <a:shade val="50000"/>
+            </a:schemeClr>
+          </a:lnRef>
+          <a:fillRef idx="1">
+            <a:schemeClr val="accent1"/>
+          </a:fillRef>
+          <a:effectRef idx="0">
+            <a:schemeClr val="accent1"/>
+          </a:effectRef>
+          <a:fontRef idx="minor">
+            <a:schemeClr val="lt1"/>
+          </a:fontRef>
+        </p:style>
+        <p:txBody>
+          <a:bodyPr rtlCol="0" anchor="t"/>
+          <a:lstStyle/>
+          <a:p>
+            <a:r>
+              <a:rPr lang="en-US" dirty="0"/>
+              <a:t>Central Processing Unit (CPU)</a:t>
+            </a:r>
+          </a:p>
+        </p:txBody>
+      </p:sp>
+      <p:sp>
+        <p:nvSpPr>
+          <p:cNvPr id="5" name="Rounded Rectangle 4">
+            <a:extLst>
+              <a:ext uri="{FF2B5EF4-FFF2-40B4-BE49-F238E27FC236}">
+                <a16:creationId xmlns:a16="http://schemas.microsoft.com/office/drawing/2014/main" id="{058482BA-BB44-B440-8F41-3AD95ECC8AE4}"/>
+              </a:ext>
+            </a:extLst>
+          </p:cNvPr>
+          <p:cNvSpPr/>
+          <p:nvPr/>
+        </p:nvSpPr>
+        <p:spPr>
+          <a:xfrm>
+            <a:off x="8416531" y="261258"/>
+            <a:ext cx="2540000" cy="5410200"/>
+          </a:xfrm>
+          <a:prstGeom prst="roundRect">
+            <a:avLst>
+              <a:gd name="adj" fmla="val 4953"/>
+            </a:avLst>
+          </a:prstGeom>
+          <a:solidFill>
+            <a:schemeClr val="accent2">
+              <a:lumMod val="75000"/>
+            </a:schemeClr>
+          </a:solidFill>
+        </p:spPr>
+        <p:style>
+          <a:lnRef idx="2">
+            <a:schemeClr val="accent1">
+              <a:shade val="50000"/>
+            </a:schemeClr>
+          </a:lnRef>
+          <a:fillRef idx="1">
+            <a:schemeClr val="accent1"/>
+          </a:fillRef>
+          <a:effectRef idx="0">
+            <a:schemeClr val="accent1"/>
+          </a:effectRef>
+          <a:fontRef idx="minor">
+            <a:schemeClr val="lt1"/>
+          </a:fontRef>
+        </p:style>
+        <p:txBody>
+          <a:bodyPr rtlCol="0" anchor="t"/>
+          <a:lstStyle/>
+          <a:p>
+            <a:r>
+              <a:rPr lang="en-US" dirty="0"/>
+              <a:t>Memory Unit</a:t>
+            </a:r>
+            <a:br>
+              <a:rPr lang="en-US" dirty="0"/>
+            </a:br>
+            <a:r>
+              <a:rPr lang="en-US" dirty="0"/>
+              <a:t>(RAM)</a:t>
+            </a:r>
+          </a:p>
+        </p:txBody>
+      </p:sp>
+      <p:sp>
+        <p:nvSpPr>
+          <p:cNvPr id="6" name="Left-Right Arrow 5">
+            <a:extLst>
+              <a:ext uri="{FF2B5EF4-FFF2-40B4-BE49-F238E27FC236}">
+                <a16:creationId xmlns:a16="http://schemas.microsoft.com/office/drawing/2014/main" id="{849BE7AA-EE98-0546-B9B7-6E61857D1BA8}"/>
+              </a:ext>
+            </a:extLst>
+          </p:cNvPr>
+          <p:cNvSpPr/>
+          <p:nvPr/>
+        </p:nvSpPr>
+        <p:spPr>
+          <a:xfrm>
+            <a:off x="6887088" y="2641600"/>
+            <a:ext cx="1429598" cy="787400"/>
+          </a:xfrm>
+          <a:prstGeom prst="leftRightArrow">
+            <a:avLst>
+              <a:gd name="adj1" fmla="val 66129"/>
+              <a:gd name="adj2" fmla="val 50000"/>
+            </a:avLst>
+          </a:prstGeom>
+          <a:solidFill>
+            <a:schemeClr val="accent6"/>
+          </a:solidFill>
+        </p:spPr>
+        <p:style>
+          <a:lnRef idx="2">
+            <a:schemeClr val="accent1">
+              <a:shade val="50000"/>
+            </a:schemeClr>
+          </a:lnRef>
+          <a:fillRef idx="1">
+            <a:schemeClr val="accent1"/>
+          </a:fillRef>
+          <a:effectRef idx="0">
+            <a:schemeClr val="accent1"/>
+          </a:effectRef>
+          <a:fontRef idx="minor">
+            <a:schemeClr val="lt1"/>
+          </a:fontRef>
+        </p:style>
+        <p:txBody>
+          <a:bodyPr rtlCol="0" anchor="ctr"/>
+          <a:lstStyle/>
+          <a:p>
+            <a:pPr algn="ctr"/>
+            <a:r>
+              <a:rPr lang="en-US" dirty="0"/>
+              <a:t>Bus</a:t>
+            </a:r>
+          </a:p>
+        </p:txBody>
+      </p:sp>
+      <p:sp>
+        <p:nvSpPr>
+          <p:cNvPr id="9" name="Rounded Rectangle 8">
+            <a:extLst>
+              <a:ext uri="{FF2B5EF4-FFF2-40B4-BE49-F238E27FC236}">
+                <a16:creationId xmlns:a16="http://schemas.microsoft.com/office/drawing/2014/main" id="{D7DB85E7-C2F8-134D-B833-65E83DEA09F5}"/>
+              </a:ext>
+            </a:extLst>
+          </p:cNvPr>
+          <p:cNvSpPr/>
+          <p:nvPr/>
+        </p:nvSpPr>
+        <p:spPr>
+          <a:xfrm>
+            <a:off x="8784831" y="1766800"/>
+            <a:ext cx="1879600" cy="758921"/>
+          </a:xfrm>
+          <a:prstGeom prst="roundRect">
+            <a:avLst/>
+          </a:prstGeom>
+          <a:solidFill>
+            <a:schemeClr val="accent2"/>
+          </a:solidFill>
+        </p:spPr>
+        <p:style>
+          <a:lnRef idx="3">
+            <a:schemeClr val="lt1"/>
+          </a:lnRef>
+          <a:fillRef idx="1">
+            <a:schemeClr val="accent1"/>
+          </a:fillRef>
+          <a:effectRef idx="1">
+            <a:schemeClr val="accent1"/>
+          </a:effectRef>
+          <a:fontRef idx="minor">
+            <a:schemeClr val="lt1"/>
+          </a:fontRef>
+        </p:style>
+        <p:txBody>
+          <a:bodyPr rtlCol="0" anchor="ctr"/>
+          <a:lstStyle/>
+          <a:p>
+            <a:pPr algn="ctr"/>
+            <a:r>
+              <a:rPr lang="en-US" dirty="0"/>
+              <a:t>Program</a:t>
+            </a:r>
+          </a:p>
+        </p:txBody>
+      </p:sp>
+      <p:sp>
+        <p:nvSpPr>
+          <p:cNvPr id="10" name="Rounded Rectangle 9">
+            <a:extLst>
+              <a:ext uri="{FF2B5EF4-FFF2-40B4-BE49-F238E27FC236}">
+                <a16:creationId xmlns:a16="http://schemas.microsoft.com/office/drawing/2014/main" id="{13C4EFE7-0310-3D4B-B0A5-8B66225B4CC7}"/>
+              </a:ext>
+            </a:extLst>
+          </p:cNvPr>
+          <p:cNvSpPr/>
+          <p:nvPr/>
+        </p:nvSpPr>
+        <p:spPr>
+          <a:xfrm>
+            <a:off x="8784831" y="2786743"/>
+            <a:ext cx="1879600" cy="2590800"/>
+          </a:xfrm>
+          <a:prstGeom prst="roundRect">
+            <a:avLst/>
+          </a:prstGeom>
+          <a:solidFill>
+            <a:schemeClr val="accent2"/>
+          </a:solidFill>
+        </p:spPr>
+        <p:style>
+          <a:lnRef idx="3">
+            <a:schemeClr val="lt1"/>
+          </a:lnRef>
+          <a:fillRef idx="1">
+            <a:schemeClr val="accent1"/>
+          </a:fillRef>
+          <a:effectRef idx="1">
+            <a:schemeClr val="accent1"/>
+          </a:effectRef>
+          <a:fontRef idx="minor">
+            <a:schemeClr val="lt1"/>
+          </a:fontRef>
+        </p:style>
+        <p:txBody>
+          <a:bodyPr rtlCol="0" anchor="ctr"/>
+          <a:lstStyle/>
+          <a:p>
+            <a:pPr algn="ctr"/>
+            <a:r>
+              <a:rPr lang="en-US" dirty="0"/>
+              <a:t>Data</a:t>
+            </a:r>
+          </a:p>
+        </p:txBody>
+      </p:sp>
+      <p:sp>
+        <p:nvSpPr>
+          <p:cNvPr id="21" name="Rounded Rectangle 20">
+            <a:extLst>
+              <a:ext uri="{FF2B5EF4-FFF2-40B4-BE49-F238E27FC236}">
+                <a16:creationId xmlns:a16="http://schemas.microsoft.com/office/drawing/2014/main" id="{A61F615A-D655-7C49-9106-56545BCAB96F}"/>
+              </a:ext>
+            </a:extLst>
+          </p:cNvPr>
+          <p:cNvSpPr/>
+          <p:nvPr/>
+        </p:nvSpPr>
+        <p:spPr>
+          <a:xfrm>
+            <a:off x="5317612" y="816487"/>
+            <a:ext cx="1202931" cy="4702570"/>
+          </a:xfrm>
+          <a:prstGeom prst="roundRect">
+            <a:avLst>
+              <a:gd name="adj" fmla="val 6667"/>
+            </a:avLst>
+          </a:prstGeom>
+          <a:solidFill>
+            <a:srgbClr val="C00000"/>
+          </a:solidFill>
+        </p:spPr>
+        <p:style>
+          <a:lnRef idx="3">
+            <a:schemeClr val="lt1"/>
+          </a:lnRef>
+          <a:fillRef idx="1">
+            <a:schemeClr val="accent1"/>
+          </a:fillRef>
+          <a:effectRef idx="1">
+            <a:schemeClr val="accent1"/>
+          </a:effectRef>
+          <a:fontRef idx="minor">
+            <a:schemeClr val="lt1"/>
+          </a:fontRef>
+        </p:style>
+        <p:txBody>
+          <a:bodyPr rtlCol="0" anchor="ctr"/>
+          <a:lstStyle/>
+          <a:p>
+            <a:pPr algn="ctr"/>
+            <a:r>
+              <a:rPr lang="en-US" b="1" dirty="0"/>
+              <a:t>L3 Cache</a:t>
+            </a:r>
+          </a:p>
+          <a:p>
+            <a:pPr algn="ctr"/>
+            <a:r>
+              <a:rPr lang="en-US" sz="1200" dirty="0"/>
+              <a:t>30 MB</a:t>
+            </a:r>
+            <a:br>
+              <a:rPr lang="en-US" sz="1200" dirty="0"/>
+            </a:br>
+            <a:r>
+              <a:rPr lang="en-US" sz="1100" dirty="0"/>
+              <a:t>(2.5 MB/core)</a:t>
+            </a:r>
+            <a:endParaRPr lang="en-US" sz="1200" dirty="0"/>
+          </a:p>
+        </p:txBody>
+      </p:sp>
+      <p:pic>
+        <p:nvPicPr>
+          <p:cNvPr id="3" name="Picture 2">
+            <a:extLst>
+              <a:ext uri="{FF2B5EF4-FFF2-40B4-BE49-F238E27FC236}">
+                <a16:creationId xmlns:a16="http://schemas.microsoft.com/office/drawing/2014/main" id="{BAE95DB9-053C-1549-9892-F9A9B8BAE89C}"/>
+              </a:ext>
+            </a:extLst>
+          </p:cNvPr>
+          <p:cNvPicPr>
+            <a:picLocks noChangeAspect="1"/>
+          </p:cNvPicPr>
+          <p:nvPr/>
+        </p:nvPicPr>
+        <p:blipFill>
+          <a:blip r:embed="rId2"/>
+          <a:stretch>
+            <a:fillRect/>
+          </a:stretch>
+        </p:blipFill>
+        <p:spPr>
+          <a:xfrm>
+            <a:off x="1587359" y="762057"/>
+            <a:ext cx="1834265" cy="729286"/>
+          </a:xfrm>
+          <a:prstGeom prst="rect">
+            <a:avLst/>
+          </a:prstGeom>
+        </p:spPr>
+      </p:pic>
+      <p:pic>
+        <p:nvPicPr>
+          <p:cNvPr id="30" name="Picture 29">
+            <a:extLst>
+              <a:ext uri="{FF2B5EF4-FFF2-40B4-BE49-F238E27FC236}">
+                <a16:creationId xmlns:a16="http://schemas.microsoft.com/office/drawing/2014/main" id="{F3B0D333-2F3B-E04C-9645-F3D551611D8A}"/>
+              </a:ext>
+            </a:extLst>
+          </p:cNvPr>
+          <p:cNvPicPr>
+            <a:picLocks noChangeAspect="1"/>
+          </p:cNvPicPr>
+          <p:nvPr/>
+        </p:nvPicPr>
+        <p:blipFill>
+          <a:blip r:embed="rId2"/>
+          <a:stretch>
+            <a:fillRect/>
+          </a:stretch>
+        </p:blipFill>
+        <p:spPr>
+          <a:xfrm>
+            <a:off x="1587359" y="1573249"/>
+            <a:ext cx="1834265" cy="729286"/>
+          </a:xfrm>
+          <a:prstGeom prst="rect">
+            <a:avLst/>
+          </a:prstGeom>
+        </p:spPr>
+      </p:pic>
+      <p:pic>
+        <p:nvPicPr>
+          <p:cNvPr id="31" name="Picture 30">
+            <a:extLst>
+              <a:ext uri="{FF2B5EF4-FFF2-40B4-BE49-F238E27FC236}">
+                <a16:creationId xmlns:a16="http://schemas.microsoft.com/office/drawing/2014/main" id="{C40F0D56-23DA-DB4D-9027-1CB722AFD98B}"/>
+              </a:ext>
+            </a:extLst>
+          </p:cNvPr>
+          <p:cNvPicPr>
+            <a:picLocks noChangeAspect="1"/>
+          </p:cNvPicPr>
+          <p:nvPr/>
+        </p:nvPicPr>
+        <p:blipFill>
+          <a:blip r:embed="rId2"/>
+          <a:stretch>
+            <a:fillRect/>
+          </a:stretch>
+        </p:blipFill>
+        <p:spPr>
+          <a:xfrm>
+            <a:off x="1587359" y="2384441"/>
+            <a:ext cx="1834265" cy="729286"/>
+          </a:xfrm>
+          <a:prstGeom prst="rect">
+            <a:avLst/>
+          </a:prstGeom>
+        </p:spPr>
+      </p:pic>
+      <p:pic>
+        <p:nvPicPr>
+          <p:cNvPr id="32" name="Picture 31">
+            <a:extLst>
+              <a:ext uri="{FF2B5EF4-FFF2-40B4-BE49-F238E27FC236}">
+                <a16:creationId xmlns:a16="http://schemas.microsoft.com/office/drawing/2014/main" id="{9B97CE17-007C-1149-8BA9-2FAF49ED2BB2}"/>
+              </a:ext>
+            </a:extLst>
+          </p:cNvPr>
+          <p:cNvPicPr>
+            <a:picLocks noChangeAspect="1"/>
+          </p:cNvPicPr>
+          <p:nvPr/>
+        </p:nvPicPr>
+        <p:blipFill>
+          <a:blip r:embed="rId2"/>
+          <a:stretch>
+            <a:fillRect/>
+          </a:stretch>
+        </p:blipFill>
+        <p:spPr>
+          <a:xfrm>
+            <a:off x="1587359" y="3195633"/>
+            <a:ext cx="1834265" cy="729286"/>
+          </a:xfrm>
+          <a:prstGeom prst="rect">
+            <a:avLst/>
+          </a:prstGeom>
+        </p:spPr>
+      </p:pic>
+      <p:pic>
+        <p:nvPicPr>
+          <p:cNvPr id="33" name="Picture 32">
+            <a:extLst>
+              <a:ext uri="{FF2B5EF4-FFF2-40B4-BE49-F238E27FC236}">
+                <a16:creationId xmlns:a16="http://schemas.microsoft.com/office/drawing/2014/main" id="{EB403629-96D2-9C42-B89E-168B14E7B48F}"/>
+              </a:ext>
+            </a:extLst>
+          </p:cNvPr>
+          <p:cNvPicPr>
+            <a:picLocks noChangeAspect="1"/>
+          </p:cNvPicPr>
+          <p:nvPr/>
+        </p:nvPicPr>
+        <p:blipFill>
+          <a:blip r:embed="rId2"/>
+          <a:stretch>
+            <a:fillRect/>
+          </a:stretch>
+        </p:blipFill>
+        <p:spPr>
+          <a:xfrm>
+            <a:off x="1587359" y="4006825"/>
+            <a:ext cx="1834265" cy="729286"/>
+          </a:xfrm>
+          <a:prstGeom prst="rect">
+            <a:avLst/>
+          </a:prstGeom>
+        </p:spPr>
+      </p:pic>
+      <p:pic>
+        <p:nvPicPr>
+          <p:cNvPr id="34" name="Picture 33">
+            <a:extLst>
+              <a:ext uri="{FF2B5EF4-FFF2-40B4-BE49-F238E27FC236}">
+                <a16:creationId xmlns:a16="http://schemas.microsoft.com/office/drawing/2014/main" id="{D4BB49AD-B234-B946-A791-A61B50FD8560}"/>
+              </a:ext>
+            </a:extLst>
+          </p:cNvPr>
+          <p:cNvPicPr>
+            <a:picLocks noChangeAspect="1"/>
+          </p:cNvPicPr>
+          <p:nvPr/>
+        </p:nvPicPr>
+        <p:blipFill>
+          <a:blip r:embed="rId2"/>
+          <a:stretch>
+            <a:fillRect/>
+          </a:stretch>
+        </p:blipFill>
+        <p:spPr>
+          <a:xfrm>
+            <a:off x="1587359" y="4818017"/>
+            <a:ext cx="1834265" cy="729286"/>
+          </a:xfrm>
+          <a:prstGeom prst="rect">
+            <a:avLst/>
+          </a:prstGeom>
+        </p:spPr>
+      </p:pic>
+      <p:pic>
+        <p:nvPicPr>
+          <p:cNvPr id="35" name="Picture 34">
+            <a:extLst>
+              <a:ext uri="{FF2B5EF4-FFF2-40B4-BE49-F238E27FC236}">
+                <a16:creationId xmlns:a16="http://schemas.microsoft.com/office/drawing/2014/main" id="{AA0A4113-4C05-0840-88D9-388E07474A78}"/>
+              </a:ext>
+            </a:extLst>
+          </p:cNvPr>
+          <p:cNvPicPr>
+            <a:picLocks noChangeAspect="1"/>
+          </p:cNvPicPr>
+          <p:nvPr/>
+        </p:nvPicPr>
+        <p:blipFill>
+          <a:blip r:embed="rId2"/>
+          <a:stretch>
+            <a:fillRect/>
+          </a:stretch>
+        </p:blipFill>
+        <p:spPr>
+          <a:xfrm>
+            <a:off x="3427045" y="762057"/>
+            <a:ext cx="1834265" cy="729286"/>
+          </a:xfrm>
+          <a:prstGeom prst="rect">
+            <a:avLst/>
+          </a:prstGeom>
+        </p:spPr>
+      </p:pic>
+      <p:pic>
+        <p:nvPicPr>
+          <p:cNvPr id="44" name="Picture 43">
+            <a:extLst>
+              <a:ext uri="{FF2B5EF4-FFF2-40B4-BE49-F238E27FC236}">
+                <a16:creationId xmlns:a16="http://schemas.microsoft.com/office/drawing/2014/main" id="{8E98EDEE-7A80-884F-B874-4EBDC56CD13D}"/>
+              </a:ext>
+            </a:extLst>
+          </p:cNvPr>
+          <p:cNvPicPr>
+            <a:picLocks noChangeAspect="1"/>
+          </p:cNvPicPr>
+          <p:nvPr/>
+        </p:nvPicPr>
+        <p:blipFill>
+          <a:blip r:embed="rId2"/>
+          <a:stretch>
+            <a:fillRect/>
+          </a:stretch>
+        </p:blipFill>
+        <p:spPr>
+          <a:xfrm>
+            <a:off x="3427045" y="1573249"/>
+            <a:ext cx="1834265" cy="729286"/>
+          </a:xfrm>
+          <a:prstGeom prst="rect">
+            <a:avLst/>
+          </a:prstGeom>
+        </p:spPr>
+      </p:pic>
+      <p:pic>
+        <p:nvPicPr>
+          <p:cNvPr id="45" name="Picture 44">
+            <a:extLst>
+              <a:ext uri="{FF2B5EF4-FFF2-40B4-BE49-F238E27FC236}">
+                <a16:creationId xmlns:a16="http://schemas.microsoft.com/office/drawing/2014/main" id="{B9694C63-86B7-9B48-8323-6269242D9415}"/>
+              </a:ext>
+            </a:extLst>
+          </p:cNvPr>
+          <p:cNvPicPr>
+            <a:picLocks noChangeAspect="1"/>
+          </p:cNvPicPr>
+          <p:nvPr/>
+        </p:nvPicPr>
+        <p:blipFill>
+          <a:blip r:embed="rId2"/>
+          <a:stretch>
+            <a:fillRect/>
+          </a:stretch>
+        </p:blipFill>
+        <p:spPr>
+          <a:xfrm>
+            <a:off x="3427045" y="2384441"/>
+            <a:ext cx="1834265" cy="729286"/>
+          </a:xfrm>
+          <a:prstGeom prst="rect">
+            <a:avLst/>
+          </a:prstGeom>
+        </p:spPr>
+      </p:pic>
+      <p:pic>
+        <p:nvPicPr>
+          <p:cNvPr id="46" name="Picture 45">
+            <a:extLst>
+              <a:ext uri="{FF2B5EF4-FFF2-40B4-BE49-F238E27FC236}">
+                <a16:creationId xmlns:a16="http://schemas.microsoft.com/office/drawing/2014/main" id="{C3A81E4D-A775-AD46-82D2-1D4CCC259FA1}"/>
+              </a:ext>
+            </a:extLst>
+          </p:cNvPr>
+          <p:cNvPicPr>
+            <a:picLocks noChangeAspect="1"/>
+          </p:cNvPicPr>
+          <p:nvPr/>
+        </p:nvPicPr>
+        <p:blipFill>
+          <a:blip r:embed="rId2"/>
+          <a:stretch>
+            <a:fillRect/>
+          </a:stretch>
+        </p:blipFill>
+        <p:spPr>
+          <a:xfrm>
+            <a:off x="3427045" y="3195633"/>
+            <a:ext cx="1834265" cy="729286"/>
+          </a:xfrm>
+          <a:prstGeom prst="rect">
+            <a:avLst/>
+          </a:prstGeom>
+        </p:spPr>
+      </p:pic>
+      <p:pic>
+        <p:nvPicPr>
+          <p:cNvPr id="47" name="Picture 46">
+            <a:extLst>
+              <a:ext uri="{FF2B5EF4-FFF2-40B4-BE49-F238E27FC236}">
+                <a16:creationId xmlns:a16="http://schemas.microsoft.com/office/drawing/2014/main" id="{7205704E-00B3-5742-98D3-4841A045668A}"/>
+              </a:ext>
+            </a:extLst>
+          </p:cNvPr>
+          <p:cNvPicPr>
+            <a:picLocks noChangeAspect="1"/>
+          </p:cNvPicPr>
+          <p:nvPr/>
+        </p:nvPicPr>
+        <p:blipFill>
+          <a:blip r:embed="rId2"/>
+          <a:stretch>
+            <a:fillRect/>
+          </a:stretch>
+        </p:blipFill>
+        <p:spPr>
+          <a:xfrm>
+            <a:off x="3427045" y="4006825"/>
+            <a:ext cx="1834265" cy="729286"/>
+          </a:xfrm>
+          <a:prstGeom prst="rect">
+            <a:avLst/>
+          </a:prstGeom>
+        </p:spPr>
+      </p:pic>
+      <p:pic>
+        <p:nvPicPr>
+          <p:cNvPr id="48" name="Picture 47">
+            <a:extLst>
+              <a:ext uri="{FF2B5EF4-FFF2-40B4-BE49-F238E27FC236}">
+                <a16:creationId xmlns:a16="http://schemas.microsoft.com/office/drawing/2014/main" id="{EADC87CC-08D8-6041-A171-2CDD7F71046C}"/>
+              </a:ext>
+            </a:extLst>
+          </p:cNvPr>
+          <p:cNvPicPr>
+            <a:picLocks noChangeAspect="1"/>
+          </p:cNvPicPr>
+          <p:nvPr/>
+        </p:nvPicPr>
+        <p:blipFill>
+          <a:blip r:embed="rId2"/>
+          <a:stretch>
+            <a:fillRect/>
+          </a:stretch>
+        </p:blipFill>
+        <p:spPr>
+          <a:xfrm>
+            <a:off x="3427045" y="4818017"/>
+            <a:ext cx="1834265" cy="729286"/>
+          </a:xfrm>
+          <a:prstGeom prst="rect">
+            <a:avLst/>
+          </a:prstGeom>
+        </p:spPr>
+      </p:pic>
+      <p:sp>
+        <p:nvSpPr>
+          <p:cNvPr id="11" name="Rectangle 10">
+            <a:extLst>
+              <a:ext uri="{FF2B5EF4-FFF2-40B4-BE49-F238E27FC236}">
+                <a16:creationId xmlns:a16="http://schemas.microsoft.com/office/drawing/2014/main" id="{A1C0B412-AD23-5141-9D5B-5096458A471D}"/>
+              </a:ext>
+            </a:extLst>
+          </p:cNvPr>
+          <p:cNvSpPr/>
+          <p:nvPr/>
+        </p:nvSpPr>
+        <p:spPr>
+          <a:xfrm>
+            <a:off x="2092713" y="928600"/>
+            <a:ext cx="794448" cy="369332"/>
+          </a:xfrm>
+          <a:prstGeom prst="rect">
+            <a:avLst/>
+          </a:prstGeom>
+        </p:spPr>
+        <p:txBody>
+          <a:bodyPr wrap="none">
+            <a:spAutoFit/>
+          </a:bodyPr>
+          <a:lstStyle/>
+          <a:p>
+            <a:r>
+              <a:rPr lang="en-US" b="1" dirty="0">
+                <a:solidFill>
+                  <a:schemeClr val="bg1"/>
+                </a:solidFill>
+              </a:rPr>
+              <a:t>Core 0</a:t>
+            </a:r>
+            <a:endParaRPr lang="en-US">
+              <a:solidFill>
+                <a:schemeClr val="bg1"/>
+              </a:solidFill>
+            </a:endParaRPr>
+          </a:p>
+        </p:txBody>
+      </p:sp>
+      <p:sp>
+        <p:nvSpPr>
+          <p:cNvPr id="49" name="Rectangle 48">
+            <a:extLst>
+              <a:ext uri="{FF2B5EF4-FFF2-40B4-BE49-F238E27FC236}">
+                <a16:creationId xmlns:a16="http://schemas.microsoft.com/office/drawing/2014/main" id="{F3FBF0DD-CEED-0543-9283-D3DDE902450C}"/>
+              </a:ext>
+            </a:extLst>
+          </p:cNvPr>
+          <p:cNvSpPr/>
+          <p:nvPr/>
+        </p:nvSpPr>
+        <p:spPr>
+          <a:xfrm>
+            <a:off x="2092713" y="1766800"/>
+            <a:ext cx="794448" cy="369332"/>
+          </a:xfrm>
+          <a:prstGeom prst="rect">
+            <a:avLst/>
+          </a:prstGeom>
+        </p:spPr>
+        <p:txBody>
+          <a:bodyPr wrap="none">
+            <a:spAutoFit/>
+          </a:bodyPr>
+          <a:lstStyle/>
+          <a:p>
+            <a:r>
+              <a:rPr lang="en-US" b="1" dirty="0">
+                <a:solidFill>
+                  <a:schemeClr val="bg1"/>
+                </a:solidFill>
+              </a:rPr>
+              <a:t>Core 2</a:t>
+            </a:r>
+            <a:endParaRPr lang="en-US">
+              <a:solidFill>
+                <a:schemeClr val="bg1"/>
+              </a:solidFill>
+            </a:endParaRPr>
+          </a:p>
+        </p:txBody>
+      </p:sp>
+      <p:sp>
+        <p:nvSpPr>
+          <p:cNvPr id="50" name="Rectangle 49">
+            <a:extLst>
+              <a:ext uri="{FF2B5EF4-FFF2-40B4-BE49-F238E27FC236}">
+                <a16:creationId xmlns:a16="http://schemas.microsoft.com/office/drawing/2014/main" id="{06A223FD-BD62-3E43-8249-E44B6CBEC41F}"/>
+              </a:ext>
+            </a:extLst>
+          </p:cNvPr>
+          <p:cNvSpPr/>
+          <p:nvPr/>
+        </p:nvSpPr>
+        <p:spPr>
+          <a:xfrm>
+            <a:off x="2092713" y="2550572"/>
+            <a:ext cx="794448" cy="369332"/>
+          </a:xfrm>
+          <a:prstGeom prst="rect">
+            <a:avLst/>
+          </a:prstGeom>
+        </p:spPr>
+        <p:txBody>
+          <a:bodyPr wrap="none">
+            <a:spAutoFit/>
+          </a:bodyPr>
+          <a:lstStyle/>
+          <a:p>
+            <a:r>
+              <a:rPr lang="en-US" b="1" dirty="0">
+                <a:solidFill>
+                  <a:schemeClr val="bg1"/>
+                </a:solidFill>
+              </a:rPr>
+              <a:t>Core 4</a:t>
+            </a:r>
+            <a:endParaRPr lang="en-US">
+              <a:solidFill>
+                <a:schemeClr val="bg1"/>
+              </a:solidFill>
+            </a:endParaRPr>
+          </a:p>
+        </p:txBody>
+      </p:sp>
+      <p:sp>
+        <p:nvSpPr>
+          <p:cNvPr id="51" name="Rectangle 50">
+            <a:extLst>
+              <a:ext uri="{FF2B5EF4-FFF2-40B4-BE49-F238E27FC236}">
+                <a16:creationId xmlns:a16="http://schemas.microsoft.com/office/drawing/2014/main" id="{FDB44C0A-FE3C-3E4B-8FDC-7E73D5D88E63}"/>
+              </a:ext>
+            </a:extLst>
+          </p:cNvPr>
+          <p:cNvSpPr/>
+          <p:nvPr/>
+        </p:nvSpPr>
+        <p:spPr>
+          <a:xfrm>
+            <a:off x="2092713" y="3356115"/>
+            <a:ext cx="794448" cy="369332"/>
+          </a:xfrm>
+          <a:prstGeom prst="rect">
+            <a:avLst/>
+          </a:prstGeom>
+        </p:spPr>
+        <p:txBody>
+          <a:bodyPr wrap="none">
+            <a:spAutoFit/>
+          </a:bodyPr>
+          <a:lstStyle/>
+          <a:p>
+            <a:r>
+              <a:rPr lang="en-US" b="1" dirty="0">
+                <a:solidFill>
+                  <a:schemeClr val="bg1"/>
+                </a:solidFill>
+              </a:rPr>
+              <a:t>Core 6</a:t>
+            </a:r>
+            <a:endParaRPr lang="en-US">
+              <a:solidFill>
+                <a:schemeClr val="bg1"/>
+              </a:solidFill>
+            </a:endParaRPr>
+          </a:p>
+        </p:txBody>
+      </p:sp>
+      <p:sp>
+        <p:nvSpPr>
+          <p:cNvPr id="52" name="Rectangle 51">
+            <a:extLst>
+              <a:ext uri="{FF2B5EF4-FFF2-40B4-BE49-F238E27FC236}">
+                <a16:creationId xmlns:a16="http://schemas.microsoft.com/office/drawing/2014/main" id="{62B656D2-C72A-CB49-8A63-B32846EAC9DE}"/>
+              </a:ext>
+            </a:extLst>
+          </p:cNvPr>
+          <p:cNvSpPr/>
+          <p:nvPr/>
+        </p:nvSpPr>
+        <p:spPr>
+          <a:xfrm>
+            <a:off x="2092713" y="4183429"/>
+            <a:ext cx="794448" cy="369332"/>
+          </a:xfrm>
+          <a:prstGeom prst="rect">
+            <a:avLst/>
+          </a:prstGeom>
+        </p:spPr>
+        <p:txBody>
+          <a:bodyPr wrap="none">
+            <a:spAutoFit/>
+          </a:bodyPr>
+          <a:lstStyle/>
+          <a:p>
+            <a:r>
+              <a:rPr lang="en-US" b="1" dirty="0">
+                <a:solidFill>
+                  <a:schemeClr val="bg1"/>
+                </a:solidFill>
+              </a:rPr>
+              <a:t>Core 8</a:t>
+            </a:r>
+            <a:endParaRPr lang="en-US">
+              <a:solidFill>
+                <a:schemeClr val="bg1"/>
+              </a:solidFill>
+            </a:endParaRPr>
+          </a:p>
+        </p:txBody>
+      </p:sp>
+      <p:sp>
+        <p:nvSpPr>
+          <p:cNvPr id="53" name="Rectangle 52">
+            <a:extLst>
+              <a:ext uri="{FF2B5EF4-FFF2-40B4-BE49-F238E27FC236}">
+                <a16:creationId xmlns:a16="http://schemas.microsoft.com/office/drawing/2014/main" id="{E5C61BE8-2561-D946-8BF7-91763F5D9DB5}"/>
+              </a:ext>
+            </a:extLst>
+          </p:cNvPr>
+          <p:cNvSpPr/>
+          <p:nvPr/>
+        </p:nvSpPr>
+        <p:spPr>
+          <a:xfrm>
+            <a:off x="2092713" y="4988972"/>
+            <a:ext cx="911468" cy="369332"/>
+          </a:xfrm>
+          <a:prstGeom prst="rect">
+            <a:avLst/>
+          </a:prstGeom>
+        </p:spPr>
+        <p:txBody>
+          <a:bodyPr wrap="none">
+            <a:spAutoFit/>
+          </a:bodyPr>
+          <a:lstStyle/>
+          <a:p>
+            <a:r>
+              <a:rPr lang="en-US" b="1" dirty="0">
+                <a:solidFill>
+                  <a:schemeClr val="bg1"/>
+                </a:solidFill>
+              </a:rPr>
+              <a:t>Core 10</a:t>
+            </a:r>
+            <a:endParaRPr lang="en-US">
+              <a:solidFill>
+                <a:schemeClr val="bg1"/>
+              </a:solidFill>
+            </a:endParaRPr>
+          </a:p>
+        </p:txBody>
+      </p:sp>
+      <p:sp>
+        <p:nvSpPr>
+          <p:cNvPr id="54" name="Rectangle 53">
+            <a:extLst>
+              <a:ext uri="{FF2B5EF4-FFF2-40B4-BE49-F238E27FC236}">
+                <a16:creationId xmlns:a16="http://schemas.microsoft.com/office/drawing/2014/main" id="{0B54530F-37EC-2C49-9C3B-A002B39865BE}"/>
+              </a:ext>
+            </a:extLst>
+          </p:cNvPr>
+          <p:cNvSpPr/>
+          <p:nvPr/>
+        </p:nvSpPr>
+        <p:spPr>
+          <a:xfrm>
+            <a:off x="3965055" y="928600"/>
+            <a:ext cx="794448" cy="369332"/>
+          </a:xfrm>
+          <a:prstGeom prst="rect">
+            <a:avLst/>
+          </a:prstGeom>
+        </p:spPr>
+        <p:txBody>
+          <a:bodyPr wrap="none">
+            <a:spAutoFit/>
+          </a:bodyPr>
+          <a:lstStyle/>
+          <a:p>
+            <a:r>
+              <a:rPr lang="en-US" b="1" dirty="0">
+                <a:solidFill>
+                  <a:schemeClr val="bg1"/>
+                </a:solidFill>
+              </a:rPr>
+              <a:t>Core 1</a:t>
+            </a:r>
+            <a:endParaRPr lang="en-US">
+              <a:solidFill>
+                <a:schemeClr val="bg1"/>
+              </a:solidFill>
+            </a:endParaRPr>
+          </a:p>
+        </p:txBody>
+      </p:sp>
+      <p:sp>
+        <p:nvSpPr>
+          <p:cNvPr id="55" name="Rectangle 54">
+            <a:extLst>
+              <a:ext uri="{FF2B5EF4-FFF2-40B4-BE49-F238E27FC236}">
+                <a16:creationId xmlns:a16="http://schemas.microsoft.com/office/drawing/2014/main" id="{4042F660-3A7F-8949-ADF3-6947FCBC634F}"/>
+              </a:ext>
+            </a:extLst>
+          </p:cNvPr>
+          <p:cNvSpPr/>
+          <p:nvPr/>
+        </p:nvSpPr>
+        <p:spPr>
+          <a:xfrm>
+            <a:off x="3965055" y="1766800"/>
+            <a:ext cx="794448" cy="369332"/>
+          </a:xfrm>
+          <a:prstGeom prst="rect">
+            <a:avLst/>
+          </a:prstGeom>
+        </p:spPr>
+        <p:txBody>
+          <a:bodyPr wrap="none">
+            <a:spAutoFit/>
+          </a:bodyPr>
+          <a:lstStyle/>
+          <a:p>
+            <a:r>
+              <a:rPr lang="en-US" b="1" dirty="0">
+                <a:solidFill>
+                  <a:schemeClr val="bg1"/>
+                </a:solidFill>
+              </a:rPr>
+              <a:t>Core 3</a:t>
+            </a:r>
+            <a:endParaRPr lang="en-US">
+              <a:solidFill>
+                <a:schemeClr val="bg1"/>
+              </a:solidFill>
+            </a:endParaRPr>
+          </a:p>
+        </p:txBody>
+      </p:sp>
+      <p:sp>
+        <p:nvSpPr>
+          <p:cNvPr id="56" name="Rectangle 55">
+            <a:extLst>
+              <a:ext uri="{FF2B5EF4-FFF2-40B4-BE49-F238E27FC236}">
+                <a16:creationId xmlns:a16="http://schemas.microsoft.com/office/drawing/2014/main" id="{0315098B-744B-D14C-8128-26ACB95AE9EA}"/>
+              </a:ext>
+            </a:extLst>
+          </p:cNvPr>
+          <p:cNvSpPr/>
+          <p:nvPr/>
+        </p:nvSpPr>
+        <p:spPr>
+          <a:xfrm>
+            <a:off x="3965055" y="2550572"/>
+            <a:ext cx="794448" cy="369332"/>
+          </a:xfrm>
+          <a:prstGeom prst="rect">
+            <a:avLst/>
+          </a:prstGeom>
+        </p:spPr>
+        <p:txBody>
+          <a:bodyPr wrap="none">
+            <a:spAutoFit/>
+          </a:bodyPr>
+          <a:lstStyle/>
+          <a:p>
+            <a:r>
+              <a:rPr lang="en-US" b="1" dirty="0">
+                <a:solidFill>
+                  <a:schemeClr val="bg1"/>
+                </a:solidFill>
+              </a:rPr>
+              <a:t>Core 5</a:t>
+            </a:r>
+            <a:endParaRPr lang="en-US">
+              <a:solidFill>
+                <a:schemeClr val="bg1"/>
+              </a:solidFill>
+            </a:endParaRPr>
+          </a:p>
+        </p:txBody>
+      </p:sp>
+      <p:sp>
+        <p:nvSpPr>
+          <p:cNvPr id="57" name="Rectangle 56">
+            <a:extLst>
+              <a:ext uri="{FF2B5EF4-FFF2-40B4-BE49-F238E27FC236}">
+                <a16:creationId xmlns:a16="http://schemas.microsoft.com/office/drawing/2014/main" id="{00366C7F-5549-FF49-8F2D-26CD056D3341}"/>
+              </a:ext>
+            </a:extLst>
+          </p:cNvPr>
+          <p:cNvSpPr/>
+          <p:nvPr/>
+        </p:nvSpPr>
+        <p:spPr>
+          <a:xfrm>
+            <a:off x="3965055" y="3356115"/>
+            <a:ext cx="794448" cy="369332"/>
+          </a:xfrm>
+          <a:prstGeom prst="rect">
+            <a:avLst/>
+          </a:prstGeom>
+        </p:spPr>
+        <p:txBody>
+          <a:bodyPr wrap="none">
+            <a:spAutoFit/>
+          </a:bodyPr>
+          <a:lstStyle/>
+          <a:p>
+            <a:r>
+              <a:rPr lang="en-US" b="1" dirty="0">
+                <a:solidFill>
+                  <a:schemeClr val="bg1"/>
+                </a:solidFill>
+              </a:rPr>
+              <a:t>Core 7</a:t>
+            </a:r>
+            <a:endParaRPr lang="en-US">
+              <a:solidFill>
+                <a:schemeClr val="bg1"/>
+              </a:solidFill>
+            </a:endParaRPr>
+          </a:p>
+        </p:txBody>
+      </p:sp>
+      <p:sp>
+        <p:nvSpPr>
+          <p:cNvPr id="58" name="Rectangle 57">
+            <a:extLst>
+              <a:ext uri="{FF2B5EF4-FFF2-40B4-BE49-F238E27FC236}">
+                <a16:creationId xmlns:a16="http://schemas.microsoft.com/office/drawing/2014/main" id="{225AF99B-556E-5B4C-958D-629C9AE61170}"/>
+              </a:ext>
+            </a:extLst>
+          </p:cNvPr>
+          <p:cNvSpPr/>
+          <p:nvPr/>
+        </p:nvSpPr>
+        <p:spPr>
+          <a:xfrm>
+            <a:off x="3965055" y="4183429"/>
+            <a:ext cx="794448" cy="369332"/>
+          </a:xfrm>
+          <a:prstGeom prst="rect">
+            <a:avLst/>
+          </a:prstGeom>
+        </p:spPr>
+        <p:txBody>
+          <a:bodyPr wrap="none">
+            <a:spAutoFit/>
+          </a:bodyPr>
+          <a:lstStyle/>
+          <a:p>
+            <a:r>
+              <a:rPr lang="en-US" b="1" dirty="0">
+                <a:solidFill>
+                  <a:schemeClr val="bg1"/>
+                </a:solidFill>
+              </a:rPr>
+              <a:t>Core 9</a:t>
+            </a:r>
+            <a:endParaRPr lang="en-US">
+              <a:solidFill>
+                <a:schemeClr val="bg1"/>
+              </a:solidFill>
+            </a:endParaRPr>
+          </a:p>
+        </p:txBody>
+      </p:sp>
+      <p:sp>
+        <p:nvSpPr>
+          <p:cNvPr id="59" name="Rectangle 58">
+            <a:extLst>
+              <a:ext uri="{FF2B5EF4-FFF2-40B4-BE49-F238E27FC236}">
+                <a16:creationId xmlns:a16="http://schemas.microsoft.com/office/drawing/2014/main" id="{7CDDB911-EDBA-0946-9BEA-2CA736976553}"/>
+              </a:ext>
+            </a:extLst>
+          </p:cNvPr>
+          <p:cNvSpPr/>
+          <p:nvPr/>
+        </p:nvSpPr>
+        <p:spPr>
+          <a:xfrm>
+            <a:off x="3965055" y="4988972"/>
+            <a:ext cx="911468" cy="369332"/>
+          </a:xfrm>
+          <a:prstGeom prst="rect">
+            <a:avLst/>
+          </a:prstGeom>
+        </p:spPr>
+        <p:txBody>
+          <a:bodyPr wrap="none">
+            <a:spAutoFit/>
+          </a:bodyPr>
+          <a:lstStyle/>
+          <a:p>
+            <a:r>
+              <a:rPr lang="en-US" b="1" dirty="0">
+                <a:solidFill>
+                  <a:schemeClr val="bg1"/>
+                </a:solidFill>
+              </a:rPr>
+              <a:t>Core 11</a:t>
+            </a:r>
+            <a:endParaRPr lang="en-US">
+              <a:solidFill>
+                <a:schemeClr val="bg1"/>
+              </a:solidFill>
+            </a:endParaRPr>
+          </a:p>
+        </p:txBody>
+      </p:sp>
+    </p:spTree>
+    <p:extLst>
+      <p:ext uri="{BB962C8B-B14F-4D97-AF65-F5344CB8AC3E}">
+        <p14:creationId xmlns:p14="http://schemas.microsoft.com/office/powerpoint/2010/main" val="4230407319"/>
+      </p:ext>
+    </p:extLst>
+  </p:cSld>
+  <p:clrMapOvr>
+    <a:masterClrMapping/>
+  </p:clrMapOvr>
+</p:sld>
+</file>
+
+<file path=ppt/slides/slide5.xml><?xml version="1.0" encoding="utf-8"?>
+<p:sld xmlns:a="http://schemas.openxmlformats.org/drawingml/2006/main" xmlns:r="http://schemas.openxmlformats.org/officeDocument/2006/relationships" xmlns:p="http://schemas.openxmlformats.org/presentationml/2006/main">
+  <p:cSld>
+    <p:spTree>
+      <p:nvGrpSpPr>
+        <p:cNvPr id="1" name=""/>
+        <p:cNvGrpSpPr/>
+        <p:nvPr/>
+      </p:nvGrpSpPr>
+      <p:grpSpPr>
+        <a:xfrm>
+          <a:off x="0" y="0"/>
+          <a:ext cx="0" cy="0"/>
+          <a:chOff x="0" y="0"/>
+          <a:chExt cx="0" cy="0"/>
+        </a:xfrm>
+      </p:grpSpPr>
+      <p:pic>
+        <p:nvPicPr>
+          <p:cNvPr id="41" name="Picture 40">
+            <a:extLst>
+              <a:ext uri="{FF2B5EF4-FFF2-40B4-BE49-F238E27FC236}">
+                <a16:creationId xmlns:a16="http://schemas.microsoft.com/office/drawing/2014/main" id="{841B5F22-8C63-564F-9510-25FE73A53D1B}"/>
+              </a:ext>
+            </a:extLst>
+          </p:cNvPr>
+          <p:cNvPicPr>
+            <a:picLocks noChangeAspect="1"/>
+          </p:cNvPicPr>
+          <p:nvPr/>
+        </p:nvPicPr>
+        <p:blipFill>
+          <a:blip r:embed="rId2"/>
+          <a:stretch>
+            <a:fillRect/>
+          </a:stretch>
+        </p:blipFill>
+        <p:spPr>
+          <a:xfrm>
+            <a:off x="5487869" y="3657600"/>
+            <a:ext cx="2729031" cy="2782752"/>
+          </a:xfrm>
+          <a:prstGeom prst="rect">
+            <a:avLst/>
+          </a:prstGeom>
+        </p:spPr>
+      </p:pic>
+      <p:pic>
+        <p:nvPicPr>
+          <p:cNvPr id="42" name="Picture 41">
+            <a:extLst>
+              <a:ext uri="{FF2B5EF4-FFF2-40B4-BE49-F238E27FC236}">
+                <a16:creationId xmlns:a16="http://schemas.microsoft.com/office/drawing/2014/main" id="{3A537D6C-4695-7844-A61E-E4E3682D13FE}"/>
+              </a:ext>
+            </a:extLst>
+          </p:cNvPr>
+          <p:cNvPicPr>
+            <a:picLocks noChangeAspect="1"/>
+          </p:cNvPicPr>
+          <p:nvPr/>
+        </p:nvPicPr>
+        <p:blipFill>
+          <a:blip r:embed="rId3"/>
+          <a:stretch>
+            <a:fillRect/>
+          </a:stretch>
+        </p:blipFill>
+        <p:spPr>
+          <a:xfrm>
+            <a:off x="9426010" y="3657600"/>
+            <a:ext cx="1380548" cy="2782752"/>
+          </a:xfrm>
+          <a:prstGeom prst="rect">
+            <a:avLst/>
+          </a:prstGeom>
+        </p:spPr>
+      </p:pic>
+      <p:sp>
+        <p:nvSpPr>
+          <p:cNvPr id="43" name="Left-Right Arrow 42">
+            <a:extLst>
+              <a:ext uri="{FF2B5EF4-FFF2-40B4-BE49-F238E27FC236}">
+                <a16:creationId xmlns:a16="http://schemas.microsoft.com/office/drawing/2014/main" id="{F1ABB032-E0DA-EB41-9DA0-48FEED80CDF3}"/>
+              </a:ext>
+            </a:extLst>
+          </p:cNvPr>
+          <p:cNvSpPr/>
+          <p:nvPr/>
+        </p:nvSpPr>
+        <p:spPr>
+          <a:xfrm>
+            <a:off x="8077527" y="4655276"/>
+            <a:ext cx="1429598" cy="787400"/>
+          </a:xfrm>
+          <a:prstGeom prst="leftRightArrow">
+            <a:avLst>
+              <a:gd name="adj1" fmla="val 66129"/>
+              <a:gd name="adj2" fmla="val 50000"/>
+            </a:avLst>
+          </a:prstGeom>
+          <a:solidFill>
+            <a:schemeClr val="accent6"/>
+          </a:solidFill>
+        </p:spPr>
+        <p:style>
+          <a:lnRef idx="2">
+            <a:schemeClr val="accent1">
+              <a:shade val="50000"/>
+            </a:schemeClr>
+          </a:lnRef>
+          <a:fillRef idx="1">
+            <a:schemeClr val="accent1"/>
+          </a:fillRef>
+          <a:effectRef idx="0">
+            <a:schemeClr val="accent1"/>
+          </a:effectRef>
+          <a:fontRef idx="minor">
+            <a:schemeClr val="lt1"/>
+          </a:fontRef>
+        </p:style>
+        <p:txBody>
+          <a:bodyPr rtlCol="0" anchor="ctr"/>
+          <a:lstStyle/>
+          <a:p>
+            <a:pPr algn="ctr"/>
+            <a:r>
+              <a:rPr lang="en-US" dirty="0"/>
+              <a:t>Bus</a:t>
+            </a:r>
+          </a:p>
+        </p:txBody>
+      </p:sp>
+      <p:pic>
+        <p:nvPicPr>
+          <p:cNvPr id="2" name="Picture 1">
+            <a:extLst>
+              <a:ext uri="{FF2B5EF4-FFF2-40B4-BE49-F238E27FC236}">
+                <a16:creationId xmlns:a16="http://schemas.microsoft.com/office/drawing/2014/main" id="{0D92D0A3-F945-1E45-BAEC-7104AB0EBEBB}"/>
+              </a:ext>
+            </a:extLst>
+          </p:cNvPr>
+          <p:cNvPicPr>
+            <a:picLocks noChangeAspect="1"/>
+          </p:cNvPicPr>
+          <p:nvPr/>
+        </p:nvPicPr>
+        <p:blipFill>
+          <a:blip r:embed="rId2"/>
+          <a:stretch>
+            <a:fillRect/>
+          </a:stretch>
+        </p:blipFill>
+        <p:spPr>
+          <a:xfrm>
+            <a:off x="5487869" y="0"/>
+            <a:ext cx="2729031" cy="2782752"/>
+          </a:xfrm>
+          <a:prstGeom prst="rect">
+            <a:avLst/>
+          </a:prstGeom>
+        </p:spPr>
+      </p:pic>
+      <p:pic>
+        <p:nvPicPr>
+          <p:cNvPr id="7" name="Picture 6">
+            <a:extLst>
+              <a:ext uri="{FF2B5EF4-FFF2-40B4-BE49-F238E27FC236}">
+                <a16:creationId xmlns:a16="http://schemas.microsoft.com/office/drawing/2014/main" id="{0780085C-2834-0445-9608-EB8518C65776}"/>
+              </a:ext>
+            </a:extLst>
+          </p:cNvPr>
+          <p:cNvPicPr>
+            <a:picLocks noChangeAspect="1"/>
+          </p:cNvPicPr>
+          <p:nvPr/>
+        </p:nvPicPr>
+        <p:blipFill>
+          <a:blip r:embed="rId3"/>
+          <a:stretch>
+            <a:fillRect/>
+          </a:stretch>
+        </p:blipFill>
+        <p:spPr>
+          <a:xfrm>
+            <a:off x="9426010" y="0"/>
+            <a:ext cx="1380548" cy="2782752"/>
+          </a:xfrm>
+          <a:prstGeom prst="rect">
+            <a:avLst/>
+          </a:prstGeom>
+        </p:spPr>
+      </p:pic>
+      <p:sp>
+        <p:nvSpPr>
+          <p:cNvPr id="6" name="Left-Right Arrow 5">
+            <a:extLst>
+              <a:ext uri="{FF2B5EF4-FFF2-40B4-BE49-F238E27FC236}">
+                <a16:creationId xmlns:a16="http://schemas.microsoft.com/office/drawing/2014/main" id="{849BE7AA-EE98-0546-B9B7-6E61857D1BA8}"/>
+              </a:ext>
+            </a:extLst>
+          </p:cNvPr>
+          <p:cNvSpPr/>
+          <p:nvPr/>
+        </p:nvSpPr>
+        <p:spPr>
+          <a:xfrm>
+            <a:off x="8077527" y="997676"/>
+            <a:ext cx="1429598" cy="787400"/>
+          </a:xfrm>
+          <a:prstGeom prst="leftRightArrow">
+            <a:avLst>
+              <a:gd name="adj1" fmla="val 66129"/>
+              <a:gd name="adj2" fmla="val 50000"/>
+            </a:avLst>
+          </a:prstGeom>
+          <a:solidFill>
+            <a:schemeClr val="accent6"/>
+          </a:solidFill>
+        </p:spPr>
+        <p:style>
+          <a:lnRef idx="2">
+            <a:schemeClr val="accent1">
+              <a:shade val="50000"/>
+            </a:schemeClr>
+          </a:lnRef>
+          <a:fillRef idx="1">
+            <a:schemeClr val="accent1"/>
+          </a:fillRef>
+          <a:effectRef idx="0">
+            <a:schemeClr val="accent1"/>
+          </a:effectRef>
+          <a:fontRef idx="minor">
+            <a:schemeClr val="lt1"/>
+          </a:fontRef>
+        </p:style>
+        <p:txBody>
+          <a:bodyPr rtlCol="0" anchor="ctr"/>
+          <a:lstStyle/>
+          <a:p>
+            <a:pPr algn="ctr"/>
+            <a:r>
+              <a:rPr lang="en-US" dirty="0"/>
+              <a:t>Bus</a:t>
+            </a:r>
+          </a:p>
+        </p:txBody>
+      </p:sp>
+      <p:sp>
+        <p:nvSpPr>
+          <p:cNvPr id="36" name="Left-Right Arrow 35">
+            <a:extLst>
+              <a:ext uri="{FF2B5EF4-FFF2-40B4-BE49-F238E27FC236}">
+                <a16:creationId xmlns:a16="http://schemas.microsoft.com/office/drawing/2014/main" id="{F3C724B7-3361-E649-B74E-29A880CE2EF2}"/>
+              </a:ext>
+            </a:extLst>
+          </p:cNvPr>
+          <p:cNvSpPr/>
+          <p:nvPr/>
+        </p:nvSpPr>
+        <p:spPr>
+          <a:xfrm rot="16200000">
+            <a:off x="6307206" y="2769130"/>
+            <a:ext cx="1090356" cy="787400"/>
+          </a:xfrm>
+          <a:prstGeom prst="leftRightArrow">
+            <a:avLst>
+              <a:gd name="adj1" fmla="val 66129"/>
+              <a:gd name="adj2" fmla="val 50000"/>
+            </a:avLst>
+          </a:prstGeom>
+          <a:solidFill>
+            <a:schemeClr val="accent6"/>
+          </a:solidFill>
+        </p:spPr>
+        <p:style>
+          <a:lnRef idx="2">
+            <a:schemeClr val="accent1">
+              <a:shade val="50000"/>
+            </a:schemeClr>
+          </a:lnRef>
+          <a:fillRef idx="1">
+            <a:schemeClr val="accent1"/>
+          </a:fillRef>
+          <a:effectRef idx="0">
+            <a:schemeClr val="accent1"/>
+          </a:effectRef>
+          <a:fontRef idx="minor">
+            <a:schemeClr val="lt1"/>
+          </a:fontRef>
+        </p:style>
+        <p:txBody>
+          <a:bodyPr rtlCol="0" anchor="ctr"/>
+          <a:lstStyle/>
+          <a:p>
+            <a:pPr algn="ctr"/>
+            <a:r>
+              <a:rPr lang="en-US" dirty="0"/>
+              <a:t>QPI</a:t>
+            </a:r>
+          </a:p>
+        </p:txBody>
+      </p:sp>
+      <p:sp>
+        <p:nvSpPr>
+          <p:cNvPr id="8" name="Rectangle 7">
+            <a:extLst>
+              <a:ext uri="{FF2B5EF4-FFF2-40B4-BE49-F238E27FC236}">
+                <a16:creationId xmlns:a16="http://schemas.microsoft.com/office/drawing/2014/main" id="{14660163-B10A-A045-9403-99A48216451D}"/>
+              </a:ext>
+            </a:extLst>
+          </p:cNvPr>
+          <p:cNvSpPr/>
+          <p:nvPr/>
+        </p:nvSpPr>
+        <p:spPr>
+          <a:xfrm>
+            <a:off x="6274879" y="1160543"/>
+            <a:ext cx="928459" cy="461665"/>
+          </a:xfrm>
+          <a:prstGeom prst="rect">
+            <a:avLst/>
+          </a:prstGeom>
+        </p:spPr>
+        <p:txBody>
+          <a:bodyPr wrap="none">
+            <a:spAutoFit/>
+          </a:bodyPr>
+          <a:lstStyle/>
+          <a:p>
+            <a:r>
+              <a:rPr lang="en-US" sz="2400" b="1" dirty="0">
+                <a:solidFill>
+                  <a:schemeClr val="bg1"/>
+                </a:solidFill>
+              </a:rPr>
+              <a:t>CPU 0</a:t>
+            </a:r>
+            <a:endParaRPr lang="en-US" sz="2400" b="1">
+              <a:solidFill>
+                <a:schemeClr val="bg1"/>
+              </a:solidFill>
+            </a:endParaRPr>
+          </a:p>
+        </p:txBody>
+      </p:sp>
+      <p:sp>
+        <p:nvSpPr>
+          <p:cNvPr id="60" name="Rectangle 59">
+            <a:extLst>
+              <a:ext uri="{FF2B5EF4-FFF2-40B4-BE49-F238E27FC236}">
+                <a16:creationId xmlns:a16="http://schemas.microsoft.com/office/drawing/2014/main" id="{4556ADFC-CBD8-CA48-AFCA-70599356848A}"/>
+              </a:ext>
+            </a:extLst>
+          </p:cNvPr>
+          <p:cNvSpPr/>
+          <p:nvPr/>
+        </p:nvSpPr>
+        <p:spPr>
+          <a:xfrm>
+            <a:off x="6274879" y="4828776"/>
+            <a:ext cx="936475" cy="461665"/>
+          </a:xfrm>
+          <a:prstGeom prst="rect">
+            <a:avLst/>
+          </a:prstGeom>
+        </p:spPr>
+        <p:txBody>
+          <a:bodyPr wrap="none">
+            <a:spAutoFit/>
+          </a:bodyPr>
+          <a:lstStyle/>
+          <a:p>
+            <a:r>
+              <a:rPr lang="en-US" sz="2400" b="1" dirty="0">
+                <a:solidFill>
+                  <a:schemeClr val="bg1"/>
+                </a:solidFill>
+              </a:rPr>
+              <a:t>CPU 1</a:t>
+            </a:r>
+            <a:endParaRPr lang="en-US" sz="2400" b="1">
+              <a:solidFill>
+                <a:schemeClr val="bg1"/>
+              </a:solidFill>
+            </a:endParaRPr>
+          </a:p>
+        </p:txBody>
+      </p:sp>
+    </p:spTree>
+    <p:extLst>
+      <p:ext uri="{BB962C8B-B14F-4D97-AF65-F5344CB8AC3E}">
+        <p14:creationId xmlns:p14="http://schemas.microsoft.com/office/powerpoint/2010/main" val="2139960855"/>
+      </p:ext>
+    </p:extLst>
+  </p:cSld>
+  <p:clrMapOvr>
+    <a:masterClrMapping/>
+  </p:clrMapOvr>
+</p:sld>
+</file>
+
 <file path=ppt/theme/theme1.xml><?xml version="1.0" encoding="utf-8"?>
 <a:theme xmlns:a="http://schemas.openxmlformats.org/drawingml/2006/main" name="Office Theme">
   <a:themeElements>

--- a/day1/img/memory_architectures.pptx
+++ b/day1/img/memory_architectures.pptx
@@ -6,10 +6,11 @@
   </p:sldMasterIdLst>
   <p:sldIdLst>
     <p:sldId id="256" r:id="rId2"/>
-    <p:sldId id="258" r:id="rId3"/>
-    <p:sldId id="257" r:id="rId4"/>
-    <p:sldId id="259" r:id="rId5"/>
-    <p:sldId id="260" r:id="rId6"/>
+    <p:sldId id="261" r:id="rId3"/>
+    <p:sldId id="258" r:id="rId4"/>
+    <p:sldId id="257" r:id="rId5"/>
+    <p:sldId id="259" r:id="rId6"/>
+    <p:sldId id="260" r:id="rId7"/>
   </p:sldIdLst>
   <p:sldSz cx="12192000" cy="6858000"/>
   <p:notesSz cx="6858000" cy="9144000"/>
@@ -3314,6 +3315,403 @@
 </file>
 
 <file path=ppt/slides/slide1.xml><?xml version="1.0" encoding="utf-8"?>
+<p:sld xmlns:a="http://schemas.openxmlformats.org/drawingml/2006/main" xmlns:r="http://schemas.openxmlformats.org/officeDocument/2006/relationships" xmlns:p="http://schemas.openxmlformats.org/presentationml/2006/main">
+  <p:cSld>
+    <p:spTree>
+      <p:nvGrpSpPr>
+        <p:cNvPr id="1" name=""/>
+        <p:cNvGrpSpPr/>
+        <p:nvPr/>
+      </p:nvGrpSpPr>
+      <p:grpSpPr>
+        <a:xfrm>
+          <a:off x="0" y="0"/>
+          <a:ext cx="0" cy="0"/>
+          <a:chOff x="0" y="0"/>
+          <a:chExt cx="0" cy="0"/>
+        </a:xfrm>
+      </p:grpSpPr>
+      <p:sp>
+        <p:nvSpPr>
+          <p:cNvPr id="4" name="Rounded Rectangle 3">
+            <a:extLst>
+              <a:ext uri="{FF2B5EF4-FFF2-40B4-BE49-F238E27FC236}">
+                <a16:creationId xmlns:a16="http://schemas.microsoft.com/office/drawing/2014/main" id="{DB0941BD-B65A-CE43-A844-C55F99C41325}"/>
+              </a:ext>
+            </a:extLst>
+          </p:cNvPr>
+          <p:cNvSpPr/>
+          <p:nvPr/>
+        </p:nvSpPr>
+        <p:spPr>
+          <a:xfrm>
+            <a:off x="1955800" y="1117600"/>
+            <a:ext cx="2540000" cy="3327400"/>
+          </a:xfrm>
+          <a:prstGeom prst="roundRect">
+            <a:avLst>
+              <a:gd name="adj" fmla="val 8167"/>
+            </a:avLst>
+          </a:prstGeom>
+        </p:spPr>
+        <p:style>
+          <a:lnRef idx="2">
+            <a:schemeClr val="accent1">
+              <a:shade val="50000"/>
+            </a:schemeClr>
+          </a:lnRef>
+          <a:fillRef idx="1">
+            <a:schemeClr val="accent1"/>
+          </a:fillRef>
+          <a:effectRef idx="0">
+            <a:schemeClr val="accent1"/>
+          </a:effectRef>
+          <a:fontRef idx="minor">
+            <a:schemeClr val="lt1"/>
+          </a:fontRef>
+        </p:style>
+        <p:txBody>
+          <a:bodyPr rtlCol="0" anchor="t"/>
+          <a:lstStyle/>
+          <a:p>
+            <a:r>
+              <a:rPr lang="en-US" dirty="0"/>
+              <a:t>Central Processing Unit (CPU)</a:t>
+            </a:r>
+          </a:p>
+        </p:txBody>
+      </p:sp>
+      <p:sp>
+        <p:nvSpPr>
+          <p:cNvPr id="5" name="Rounded Rectangle 4">
+            <a:extLst>
+              <a:ext uri="{FF2B5EF4-FFF2-40B4-BE49-F238E27FC236}">
+                <a16:creationId xmlns:a16="http://schemas.microsoft.com/office/drawing/2014/main" id="{058482BA-BB44-B440-8F41-3AD95ECC8AE4}"/>
+              </a:ext>
+            </a:extLst>
+          </p:cNvPr>
+          <p:cNvSpPr/>
+          <p:nvPr/>
+        </p:nvSpPr>
+        <p:spPr>
+          <a:xfrm>
+            <a:off x="6540500" y="1117600"/>
+            <a:ext cx="2540000" cy="3327400"/>
+          </a:xfrm>
+          <a:prstGeom prst="roundRect">
+            <a:avLst>
+              <a:gd name="adj" fmla="val 6667"/>
+            </a:avLst>
+          </a:prstGeom>
+          <a:solidFill>
+            <a:schemeClr val="accent2">
+              <a:lumMod val="75000"/>
+            </a:schemeClr>
+          </a:solidFill>
+        </p:spPr>
+        <p:style>
+          <a:lnRef idx="2">
+            <a:schemeClr val="accent1">
+              <a:shade val="50000"/>
+            </a:schemeClr>
+          </a:lnRef>
+          <a:fillRef idx="1">
+            <a:schemeClr val="accent1"/>
+          </a:fillRef>
+          <a:effectRef idx="0">
+            <a:schemeClr val="accent1"/>
+          </a:effectRef>
+          <a:fontRef idx="minor">
+            <a:schemeClr val="lt1"/>
+          </a:fontRef>
+        </p:style>
+        <p:txBody>
+          <a:bodyPr rtlCol="0" anchor="t"/>
+          <a:lstStyle/>
+          <a:p>
+            <a:r>
+              <a:rPr lang="en-US" dirty="0"/>
+              <a:t>Memory Unit</a:t>
+            </a:r>
+            <a:br>
+              <a:rPr lang="en-US" dirty="0"/>
+            </a:br>
+            <a:r>
+              <a:rPr lang="en-US" dirty="0"/>
+              <a:t>(RAM)</a:t>
+            </a:r>
+          </a:p>
+        </p:txBody>
+      </p:sp>
+      <p:sp>
+        <p:nvSpPr>
+          <p:cNvPr id="6" name="Left-Right Arrow 5">
+            <a:extLst>
+              <a:ext uri="{FF2B5EF4-FFF2-40B4-BE49-F238E27FC236}">
+                <a16:creationId xmlns:a16="http://schemas.microsoft.com/office/drawing/2014/main" id="{849BE7AA-EE98-0546-B9B7-6E61857D1BA8}"/>
+              </a:ext>
+            </a:extLst>
+          </p:cNvPr>
+          <p:cNvSpPr/>
+          <p:nvPr/>
+        </p:nvSpPr>
+        <p:spPr>
+          <a:xfrm>
+            <a:off x="4635500" y="2387600"/>
+            <a:ext cx="1803400" cy="787400"/>
+          </a:xfrm>
+          <a:prstGeom prst="leftRightArrow">
+            <a:avLst>
+              <a:gd name="adj1" fmla="val 66129"/>
+              <a:gd name="adj2" fmla="val 50000"/>
+            </a:avLst>
+          </a:prstGeom>
+          <a:solidFill>
+            <a:schemeClr val="accent6"/>
+          </a:solidFill>
+        </p:spPr>
+        <p:style>
+          <a:lnRef idx="2">
+            <a:schemeClr val="accent1">
+              <a:shade val="50000"/>
+            </a:schemeClr>
+          </a:lnRef>
+          <a:fillRef idx="1">
+            <a:schemeClr val="accent1"/>
+          </a:fillRef>
+          <a:effectRef idx="0">
+            <a:schemeClr val="accent1"/>
+          </a:effectRef>
+          <a:fontRef idx="minor">
+            <a:schemeClr val="lt1"/>
+          </a:fontRef>
+        </p:style>
+        <p:txBody>
+          <a:bodyPr rtlCol="0" anchor="ctr"/>
+          <a:lstStyle/>
+          <a:p>
+            <a:pPr algn="ctr"/>
+            <a:r>
+              <a:rPr lang="en-US" dirty="0"/>
+              <a:t>Bus</a:t>
+            </a:r>
+          </a:p>
+        </p:txBody>
+      </p:sp>
+      <p:sp>
+        <p:nvSpPr>
+          <p:cNvPr id="7" name="Rounded Rectangle 6">
+            <a:extLst>
+              <a:ext uri="{FF2B5EF4-FFF2-40B4-BE49-F238E27FC236}">
+                <a16:creationId xmlns:a16="http://schemas.microsoft.com/office/drawing/2014/main" id="{8DF0CEA2-DF43-D545-B500-91C0A0B6B705}"/>
+              </a:ext>
+            </a:extLst>
+          </p:cNvPr>
+          <p:cNvSpPr/>
+          <p:nvPr/>
+        </p:nvSpPr>
+        <p:spPr>
+          <a:xfrm>
+            <a:off x="2286000" y="2470150"/>
+            <a:ext cx="1879600" cy="622300"/>
+          </a:xfrm>
+          <a:prstGeom prst="roundRect">
+            <a:avLst/>
+          </a:prstGeom>
+          <a:solidFill>
+            <a:schemeClr val="accent5"/>
+          </a:solidFill>
+        </p:spPr>
+        <p:style>
+          <a:lnRef idx="3">
+            <a:schemeClr val="lt1"/>
+          </a:lnRef>
+          <a:fillRef idx="1">
+            <a:schemeClr val="accent1"/>
+          </a:fillRef>
+          <a:effectRef idx="1">
+            <a:schemeClr val="accent1"/>
+          </a:effectRef>
+          <a:fontRef idx="minor">
+            <a:schemeClr val="lt1"/>
+          </a:fontRef>
+        </p:style>
+        <p:txBody>
+          <a:bodyPr rtlCol="0" anchor="ctr"/>
+          <a:lstStyle/>
+          <a:p>
+            <a:pPr algn="ctr"/>
+            <a:r>
+              <a:rPr lang="en-US" dirty="0"/>
+              <a:t>Control Unit</a:t>
+            </a:r>
+          </a:p>
+        </p:txBody>
+      </p:sp>
+      <p:sp>
+        <p:nvSpPr>
+          <p:cNvPr id="8" name="Rounded Rectangle 7">
+            <a:extLst>
+              <a:ext uri="{FF2B5EF4-FFF2-40B4-BE49-F238E27FC236}">
+                <a16:creationId xmlns:a16="http://schemas.microsoft.com/office/drawing/2014/main" id="{D65A2220-6257-8D42-95B7-EA3DFD828291}"/>
+              </a:ext>
+            </a:extLst>
+          </p:cNvPr>
+          <p:cNvSpPr/>
+          <p:nvPr/>
+        </p:nvSpPr>
+        <p:spPr>
+          <a:xfrm>
+            <a:off x="2286000" y="3429000"/>
+            <a:ext cx="1879600" cy="622300"/>
+          </a:xfrm>
+          <a:prstGeom prst="roundRect">
+            <a:avLst/>
+          </a:prstGeom>
+          <a:solidFill>
+            <a:schemeClr val="accent5"/>
+          </a:solidFill>
+        </p:spPr>
+        <p:style>
+          <a:lnRef idx="3">
+            <a:schemeClr val="lt1"/>
+          </a:lnRef>
+          <a:fillRef idx="1">
+            <a:schemeClr val="accent1"/>
+          </a:fillRef>
+          <a:effectRef idx="1">
+            <a:schemeClr val="accent1"/>
+          </a:effectRef>
+          <a:fontRef idx="minor">
+            <a:schemeClr val="lt1"/>
+          </a:fontRef>
+        </p:style>
+        <p:txBody>
+          <a:bodyPr rtlCol="0" anchor="ctr"/>
+          <a:lstStyle/>
+          <a:p>
+            <a:pPr algn="ctr"/>
+            <a:r>
+              <a:rPr lang="en-US" dirty="0"/>
+              <a:t>Arithmetic Logic Unit (ALU)</a:t>
+            </a:r>
+          </a:p>
+        </p:txBody>
+      </p:sp>
+      <p:sp>
+        <p:nvSpPr>
+          <p:cNvPr id="9" name="Rounded Rectangle 8">
+            <a:extLst>
+              <a:ext uri="{FF2B5EF4-FFF2-40B4-BE49-F238E27FC236}">
+                <a16:creationId xmlns:a16="http://schemas.microsoft.com/office/drawing/2014/main" id="{D7DB85E7-C2F8-134D-B833-65E83DEA09F5}"/>
+              </a:ext>
+            </a:extLst>
+          </p:cNvPr>
+          <p:cNvSpPr/>
+          <p:nvPr/>
+        </p:nvSpPr>
+        <p:spPr>
+          <a:xfrm>
+            <a:off x="6908800" y="2470150"/>
+            <a:ext cx="1879600" cy="622300"/>
+          </a:xfrm>
+          <a:prstGeom prst="roundRect">
+            <a:avLst/>
+          </a:prstGeom>
+          <a:solidFill>
+            <a:schemeClr val="accent2"/>
+          </a:solidFill>
+        </p:spPr>
+        <p:style>
+          <a:lnRef idx="3">
+            <a:schemeClr val="lt1"/>
+          </a:lnRef>
+          <a:fillRef idx="1">
+            <a:schemeClr val="accent1"/>
+          </a:fillRef>
+          <a:effectRef idx="1">
+            <a:schemeClr val="accent1"/>
+          </a:effectRef>
+          <a:fontRef idx="minor">
+            <a:schemeClr val="lt1"/>
+          </a:fontRef>
+        </p:style>
+        <p:txBody>
+          <a:bodyPr rtlCol="0" anchor="ctr"/>
+          <a:lstStyle/>
+          <a:p>
+            <a:pPr algn="ctr"/>
+            <a:r>
+              <a:rPr lang="en-US" dirty="0"/>
+              <a:t>Program</a:t>
+            </a:r>
+          </a:p>
+        </p:txBody>
+      </p:sp>
+      <p:sp>
+        <p:nvSpPr>
+          <p:cNvPr id="10" name="Rounded Rectangle 9">
+            <a:extLst>
+              <a:ext uri="{FF2B5EF4-FFF2-40B4-BE49-F238E27FC236}">
+                <a16:creationId xmlns:a16="http://schemas.microsoft.com/office/drawing/2014/main" id="{13C4EFE7-0310-3D4B-B0A5-8B66225B4CC7}"/>
+              </a:ext>
+            </a:extLst>
+          </p:cNvPr>
+          <p:cNvSpPr/>
+          <p:nvPr/>
+        </p:nvSpPr>
+        <p:spPr>
+          <a:xfrm>
+            <a:off x="6908800" y="3429000"/>
+            <a:ext cx="1879600" cy="622300"/>
+          </a:xfrm>
+          <a:prstGeom prst="roundRect">
+            <a:avLst/>
+          </a:prstGeom>
+          <a:solidFill>
+            <a:schemeClr val="accent2"/>
+          </a:solidFill>
+        </p:spPr>
+        <p:style>
+          <a:lnRef idx="3">
+            <a:schemeClr val="lt1"/>
+          </a:lnRef>
+          <a:fillRef idx="1">
+            <a:schemeClr val="accent1"/>
+          </a:fillRef>
+          <a:effectRef idx="1">
+            <a:schemeClr val="accent1"/>
+          </a:effectRef>
+          <a:fontRef idx="minor">
+            <a:schemeClr val="lt1"/>
+          </a:fontRef>
+        </p:style>
+        <p:txBody>
+          <a:bodyPr rtlCol="0" anchor="ctr"/>
+          <a:lstStyle/>
+          <a:p>
+            <a:pPr algn="ctr"/>
+            <a:r>
+              <a:rPr lang="en-US" dirty="0"/>
+              <a:t>Data</a:t>
+            </a:r>
+          </a:p>
+        </p:txBody>
+      </p:sp>
+    </p:spTree>
+    <p:extLst>
+      <p:ext uri="{BB962C8B-B14F-4D97-AF65-F5344CB8AC3E}">
+        <p14:creationId xmlns:p14="http://schemas.microsoft.com/office/powerpoint/2010/main" val="1777457824"/>
+      </p:ext>
+    </p:extLst>
+  </p:cSld>
+  <p:clrMapOvr>
+    <a:masterClrMapping/>
+  </p:clrMapOvr>
+</p:sld>
+</file>
+
+<file path=ppt/slides/slide2.xml><?xml version="1.0" encoding="utf-8"?>
 <p:sld xmlns:a="http://schemas.openxmlformats.org/drawingml/2006/main" xmlns:r="http://schemas.openxmlformats.org/officeDocument/2006/relationships" xmlns:p="http://schemas.openxmlformats.org/presentationml/2006/main">
   <p:cSld>
     <p:spTree>
@@ -4859,575 +5257,7 @@
     </p:spTree>
     <p:extLst>
       <p:ext uri="{BB962C8B-B14F-4D97-AF65-F5344CB8AC3E}">
-        <p14:creationId xmlns:p14="http://schemas.microsoft.com/office/powerpoint/2010/main" val="1777457824"/>
-      </p:ext>
-    </p:extLst>
-  </p:cSld>
-  <p:clrMapOvr>
-    <a:masterClrMapping/>
-  </p:clrMapOvr>
-</p:sld>
-</file>
-
-<file path=ppt/slides/slide2.xml><?xml version="1.0" encoding="utf-8"?>
-<p:sld xmlns:a="http://schemas.openxmlformats.org/drawingml/2006/main" xmlns:r="http://schemas.openxmlformats.org/officeDocument/2006/relationships" xmlns:p="http://schemas.openxmlformats.org/presentationml/2006/main">
-  <p:cSld>
-    <p:spTree>
-      <p:nvGrpSpPr>
-        <p:cNvPr id="1" name=""/>
-        <p:cNvGrpSpPr/>
-        <p:nvPr/>
-      </p:nvGrpSpPr>
-      <p:grpSpPr>
-        <a:xfrm>
-          <a:off x="0" y="0"/>
-          <a:ext cx="0" cy="0"/>
-          <a:chOff x="0" y="0"/>
-          <a:chExt cx="0" cy="0"/>
-        </a:xfrm>
-      </p:grpSpPr>
-      <p:sp>
-        <p:nvSpPr>
-          <p:cNvPr id="4" name="Rounded Rectangle 3">
-            <a:extLst>
-              <a:ext uri="{FF2B5EF4-FFF2-40B4-BE49-F238E27FC236}">
-                <a16:creationId xmlns:a16="http://schemas.microsoft.com/office/drawing/2014/main" id="{DB0941BD-B65A-CE43-A844-C55F99C41325}"/>
-              </a:ext>
-            </a:extLst>
-          </p:cNvPr>
-          <p:cNvSpPr/>
-          <p:nvPr/>
-        </p:nvSpPr>
-        <p:spPr>
-          <a:xfrm>
-            <a:off x="1955800" y="1117600"/>
-            <a:ext cx="4979580" cy="3327400"/>
-          </a:xfrm>
-          <a:prstGeom prst="roundRect">
-            <a:avLst>
-              <a:gd name="adj" fmla="val 4332"/>
-            </a:avLst>
-          </a:prstGeom>
-        </p:spPr>
-        <p:style>
-          <a:lnRef idx="2">
-            <a:schemeClr val="accent1">
-              <a:shade val="50000"/>
-            </a:schemeClr>
-          </a:lnRef>
-          <a:fillRef idx="1">
-            <a:schemeClr val="accent1"/>
-          </a:fillRef>
-          <a:effectRef idx="0">
-            <a:schemeClr val="accent1"/>
-          </a:effectRef>
-          <a:fontRef idx="minor">
-            <a:schemeClr val="lt1"/>
-          </a:fontRef>
-        </p:style>
-        <p:txBody>
-          <a:bodyPr rtlCol="0" anchor="t"/>
-          <a:lstStyle/>
-          <a:p>
-            <a:r>
-              <a:rPr lang="en-US" dirty="0"/>
-              <a:t>Central Processing Unit (CPU)</a:t>
-            </a:r>
-          </a:p>
-        </p:txBody>
-      </p:sp>
-      <p:sp>
-        <p:nvSpPr>
-          <p:cNvPr id="5" name="Rounded Rectangle 4">
-            <a:extLst>
-              <a:ext uri="{FF2B5EF4-FFF2-40B4-BE49-F238E27FC236}">
-                <a16:creationId xmlns:a16="http://schemas.microsoft.com/office/drawing/2014/main" id="{058482BA-BB44-B440-8F41-3AD95ECC8AE4}"/>
-              </a:ext>
-            </a:extLst>
-          </p:cNvPr>
-          <p:cNvSpPr/>
-          <p:nvPr/>
-        </p:nvSpPr>
-        <p:spPr>
-          <a:xfrm>
-            <a:off x="8966200" y="1117600"/>
-            <a:ext cx="2540000" cy="3327400"/>
-          </a:xfrm>
-          <a:prstGeom prst="roundRect">
-            <a:avLst>
-              <a:gd name="adj" fmla="val 6667"/>
-            </a:avLst>
-          </a:prstGeom>
-          <a:solidFill>
-            <a:schemeClr val="accent2">
-              <a:lumMod val="75000"/>
-            </a:schemeClr>
-          </a:solidFill>
-        </p:spPr>
-        <p:style>
-          <a:lnRef idx="2">
-            <a:schemeClr val="accent1">
-              <a:shade val="50000"/>
-            </a:schemeClr>
-          </a:lnRef>
-          <a:fillRef idx="1">
-            <a:schemeClr val="accent1"/>
-          </a:fillRef>
-          <a:effectRef idx="0">
-            <a:schemeClr val="accent1"/>
-          </a:effectRef>
-          <a:fontRef idx="minor">
-            <a:schemeClr val="lt1"/>
-          </a:fontRef>
-        </p:style>
-        <p:txBody>
-          <a:bodyPr rtlCol="0" anchor="t"/>
-          <a:lstStyle/>
-          <a:p>
-            <a:r>
-              <a:rPr lang="en-US" dirty="0"/>
-              <a:t>Memory Unit</a:t>
-            </a:r>
-            <a:br>
-              <a:rPr lang="en-US" dirty="0"/>
-            </a:br>
-            <a:r>
-              <a:rPr lang="en-US" dirty="0"/>
-              <a:t>(RAM)</a:t>
-            </a:r>
-          </a:p>
-        </p:txBody>
-      </p:sp>
-      <p:sp>
-        <p:nvSpPr>
-          <p:cNvPr id="6" name="Left-Right Arrow 5">
-            <a:extLst>
-              <a:ext uri="{FF2B5EF4-FFF2-40B4-BE49-F238E27FC236}">
-                <a16:creationId xmlns:a16="http://schemas.microsoft.com/office/drawing/2014/main" id="{849BE7AA-EE98-0546-B9B7-6E61857D1BA8}"/>
-              </a:ext>
-            </a:extLst>
-          </p:cNvPr>
-          <p:cNvSpPr/>
-          <p:nvPr/>
-        </p:nvSpPr>
-        <p:spPr>
-          <a:xfrm>
-            <a:off x="7049090" y="2387600"/>
-            <a:ext cx="1803400" cy="787400"/>
-          </a:xfrm>
-          <a:prstGeom prst="leftRightArrow">
-            <a:avLst>
-              <a:gd name="adj1" fmla="val 66129"/>
-              <a:gd name="adj2" fmla="val 50000"/>
-            </a:avLst>
-          </a:prstGeom>
-          <a:solidFill>
-            <a:schemeClr val="accent6"/>
-          </a:solidFill>
-        </p:spPr>
-        <p:style>
-          <a:lnRef idx="2">
-            <a:schemeClr val="accent1">
-              <a:shade val="50000"/>
-            </a:schemeClr>
-          </a:lnRef>
-          <a:fillRef idx="1">
-            <a:schemeClr val="accent1"/>
-          </a:fillRef>
-          <a:effectRef idx="0">
-            <a:schemeClr val="accent1"/>
-          </a:effectRef>
-          <a:fontRef idx="minor">
-            <a:schemeClr val="lt1"/>
-          </a:fontRef>
-        </p:style>
-        <p:txBody>
-          <a:bodyPr rtlCol="0" anchor="ctr"/>
-          <a:lstStyle/>
-          <a:p>
-            <a:pPr algn="ctr"/>
-            <a:r>
-              <a:rPr lang="en-US" dirty="0"/>
-              <a:t>Bus</a:t>
-            </a:r>
-          </a:p>
-        </p:txBody>
-      </p:sp>
-      <p:sp>
-        <p:nvSpPr>
-          <p:cNvPr id="7" name="Rounded Rectangle 6">
-            <a:extLst>
-              <a:ext uri="{FF2B5EF4-FFF2-40B4-BE49-F238E27FC236}">
-                <a16:creationId xmlns:a16="http://schemas.microsoft.com/office/drawing/2014/main" id="{8DF0CEA2-DF43-D545-B500-91C0A0B6B705}"/>
-              </a:ext>
-            </a:extLst>
-          </p:cNvPr>
-          <p:cNvSpPr/>
-          <p:nvPr/>
-        </p:nvSpPr>
-        <p:spPr>
-          <a:xfrm>
-            <a:off x="2115876" y="2470150"/>
-            <a:ext cx="1807538" cy="622300"/>
-          </a:xfrm>
-          <a:prstGeom prst="roundRect">
-            <a:avLst/>
-          </a:prstGeom>
-          <a:solidFill>
-            <a:schemeClr val="accent5"/>
-          </a:solidFill>
-        </p:spPr>
-        <p:style>
-          <a:lnRef idx="3">
-            <a:schemeClr val="lt1"/>
-          </a:lnRef>
-          <a:fillRef idx="1">
-            <a:schemeClr val="accent1"/>
-          </a:fillRef>
-          <a:effectRef idx="1">
-            <a:schemeClr val="accent1"/>
-          </a:effectRef>
-          <a:fontRef idx="minor">
-            <a:schemeClr val="lt1"/>
-          </a:fontRef>
-        </p:style>
-        <p:txBody>
-          <a:bodyPr rtlCol="0" anchor="ctr"/>
-          <a:lstStyle/>
-          <a:p>
-            <a:pPr algn="ctr"/>
-            <a:r>
-              <a:rPr lang="en-US" dirty="0"/>
-              <a:t>Control Unit</a:t>
-            </a:r>
-          </a:p>
-        </p:txBody>
-      </p:sp>
-      <p:sp>
-        <p:nvSpPr>
-          <p:cNvPr id="8" name="Rounded Rectangle 7">
-            <a:extLst>
-              <a:ext uri="{FF2B5EF4-FFF2-40B4-BE49-F238E27FC236}">
-                <a16:creationId xmlns:a16="http://schemas.microsoft.com/office/drawing/2014/main" id="{D65A2220-6257-8D42-95B7-EA3DFD828291}"/>
-              </a:ext>
-            </a:extLst>
-          </p:cNvPr>
-          <p:cNvSpPr/>
-          <p:nvPr/>
-        </p:nvSpPr>
-        <p:spPr>
-          <a:xfrm>
-            <a:off x="2115876" y="3429000"/>
-            <a:ext cx="1807538" cy="622300"/>
-          </a:xfrm>
-          <a:prstGeom prst="roundRect">
-            <a:avLst/>
-          </a:prstGeom>
-          <a:solidFill>
-            <a:schemeClr val="accent5"/>
-          </a:solidFill>
-        </p:spPr>
-        <p:style>
-          <a:lnRef idx="3">
-            <a:schemeClr val="lt1"/>
-          </a:lnRef>
-          <a:fillRef idx="1">
-            <a:schemeClr val="accent1"/>
-          </a:fillRef>
-          <a:effectRef idx="1">
-            <a:schemeClr val="accent1"/>
-          </a:effectRef>
-          <a:fontRef idx="minor">
-            <a:schemeClr val="lt1"/>
-          </a:fontRef>
-        </p:style>
-        <p:txBody>
-          <a:bodyPr rtlCol="0" anchor="ctr"/>
-          <a:lstStyle/>
-          <a:p>
-            <a:pPr algn="ctr"/>
-            <a:r>
-              <a:rPr lang="en-US" dirty="0"/>
-              <a:t>Arithmetic Logic Unit (ALU)</a:t>
-            </a:r>
-          </a:p>
-        </p:txBody>
-      </p:sp>
-      <p:sp>
-        <p:nvSpPr>
-          <p:cNvPr id="9" name="Rounded Rectangle 8">
-            <a:extLst>
-              <a:ext uri="{FF2B5EF4-FFF2-40B4-BE49-F238E27FC236}">
-                <a16:creationId xmlns:a16="http://schemas.microsoft.com/office/drawing/2014/main" id="{D7DB85E7-C2F8-134D-B833-65E83DEA09F5}"/>
-              </a:ext>
-            </a:extLst>
-          </p:cNvPr>
-          <p:cNvSpPr/>
-          <p:nvPr/>
-        </p:nvSpPr>
-        <p:spPr>
-          <a:xfrm>
-            <a:off x="9334500" y="2470150"/>
-            <a:ext cx="1879600" cy="622300"/>
-          </a:xfrm>
-          <a:prstGeom prst="roundRect">
-            <a:avLst/>
-          </a:prstGeom>
-          <a:solidFill>
-            <a:schemeClr val="accent2"/>
-          </a:solidFill>
-        </p:spPr>
-        <p:style>
-          <a:lnRef idx="3">
-            <a:schemeClr val="lt1"/>
-          </a:lnRef>
-          <a:fillRef idx="1">
-            <a:schemeClr val="accent1"/>
-          </a:fillRef>
-          <a:effectRef idx="1">
-            <a:schemeClr val="accent1"/>
-          </a:effectRef>
-          <a:fontRef idx="minor">
-            <a:schemeClr val="lt1"/>
-          </a:fontRef>
-        </p:style>
-        <p:txBody>
-          <a:bodyPr rtlCol="0" anchor="ctr"/>
-          <a:lstStyle/>
-          <a:p>
-            <a:pPr algn="ctr"/>
-            <a:r>
-              <a:rPr lang="en-US" dirty="0"/>
-              <a:t>Program</a:t>
-            </a:r>
-          </a:p>
-        </p:txBody>
-      </p:sp>
-      <p:sp>
-        <p:nvSpPr>
-          <p:cNvPr id="10" name="Rounded Rectangle 9">
-            <a:extLst>
-              <a:ext uri="{FF2B5EF4-FFF2-40B4-BE49-F238E27FC236}">
-                <a16:creationId xmlns:a16="http://schemas.microsoft.com/office/drawing/2014/main" id="{13C4EFE7-0310-3D4B-B0A5-8B66225B4CC7}"/>
-              </a:ext>
-            </a:extLst>
-          </p:cNvPr>
-          <p:cNvSpPr/>
-          <p:nvPr/>
-        </p:nvSpPr>
-        <p:spPr>
-          <a:xfrm>
-            <a:off x="9334500" y="3429000"/>
-            <a:ext cx="1879600" cy="622300"/>
-          </a:xfrm>
-          <a:prstGeom prst="roundRect">
-            <a:avLst/>
-          </a:prstGeom>
-          <a:solidFill>
-            <a:schemeClr val="accent2"/>
-          </a:solidFill>
-        </p:spPr>
-        <p:style>
-          <a:lnRef idx="3">
-            <a:schemeClr val="lt1"/>
-          </a:lnRef>
-          <a:fillRef idx="1">
-            <a:schemeClr val="accent1"/>
-          </a:fillRef>
-          <a:effectRef idx="1">
-            <a:schemeClr val="accent1"/>
-          </a:effectRef>
-          <a:fontRef idx="minor">
-            <a:schemeClr val="lt1"/>
-          </a:fontRef>
-        </p:style>
-        <p:txBody>
-          <a:bodyPr rtlCol="0" anchor="ctr"/>
-          <a:lstStyle/>
-          <a:p>
-            <a:pPr algn="ctr"/>
-            <a:r>
-              <a:rPr lang="en-US" dirty="0"/>
-              <a:t>Data</a:t>
-            </a:r>
-          </a:p>
-        </p:txBody>
-      </p:sp>
-      <p:sp>
-        <p:nvSpPr>
-          <p:cNvPr id="23" name="Rounded Rectangle 22">
-            <a:extLst>
-              <a:ext uri="{FF2B5EF4-FFF2-40B4-BE49-F238E27FC236}">
-                <a16:creationId xmlns:a16="http://schemas.microsoft.com/office/drawing/2014/main" id="{CC931D99-EDDF-B04C-8D05-8F9E16FCD925}"/>
-              </a:ext>
-            </a:extLst>
-          </p:cNvPr>
-          <p:cNvSpPr/>
-          <p:nvPr/>
-        </p:nvSpPr>
-        <p:spPr>
-          <a:xfrm>
-            <a:off x="5371284" y="1286540"/>
-            <a:ext cx="1420584" cy="3019646"/>
-          </a:xfrm>
-          <a:prstGeom prst="roundRect">
-            <a:avLst>
-              <a:gd name="adj" fmla="val 6667"/>
-            </a:avLst>
-          </a:prstGeom>
-          <a:solidFill>
-            <a:srgbClr val="C00000"/>
-          </a:solidFill>
-        </p:spPr>
-        <p:style>
-          <a:lnRef idx="3">
-            <a:schemeClr val="lt1"/>
-          </a:lnRef>
-          <a:fillRef idx="1">
-            <a:schemeClr val="accent1"/>
-          </a:fillRef>
-          <a:effectRef idx="1">
-            <a:schemeClr val="accent1"/>
-          </a:effectRef>
-          <a:fontRef idx="minor">
-            <a:schemeClr val="lt1"/>
-          </a:fontRef>
-        </p:style>
-        <p:txBody>
-          <a:bodyPr rtlCol="0" anchor="ctr"/>
-          <a:lstStyle/>
-          <a:p>
-            <a:pPr algn="ctr"/>
-            <a:r>
-              <a:rPr lang="en-US" b="1" dirty="0"/>
-              <a:t>Cache</a:t>
-            </a:r>
-          </a:p>
-          <a:p>
-            <a:pPr algn="ctr">
-              <a:spcAft>
-                <a:spcPts val="600"/>
-              </a:spcAft>
-            </a:pPr>
-            <a:r>
-              <a:rPr lang="en-US" b="1" dirty="0"/>
-              <a:t>memory</a:t>
-            </a:r>
-          </a:p>
-          <a:p>
-            <a:pPr algn="ctr"/>
-            <a:r>
-              <a:rPr lang="en-US" sz="1200" dirty="0"/>
-              <a:t>(stores copies of data from the memory unit for faster access)</a:t>
-            </a:r>
-            <a:endParaRPr lang="en-US" sz="1400" dirty="0"/>
-          </a:p>
-        </p:txBody>
-      </p:sp>
-      <p:sp>
-        <p:nvSpPr>
-          <p:cNvPr id="25" name="Left-Right Arrow 24">
-            <a:extLst>
-              <a:ext uri="{FF2B5EF4-FFF2-40B4-BE49-F238E27FC236}">
-                <a16:creationId xmlns:a16="http://schemas.microsoft.com/office/drawing/2014/main" id="{32927DB9-36CE-3A45-A52E-07E3C573AB88}"/>
-              </a:ext>
-            </a:extLst>
-          </p:cNvPr>
-          <p:cNvSpPr/>
-          <p:nvPr/>
-        </p:nvSpPr>
-        <p:spPr>
-          <a:xfrm>
-            <a:off x="3997542" y="3476403"/>
-            <a:ext cx="1309944" cy="527493"/>
-          </a:xfrm>
-          <a:prstGeom prst="leftRightArrow">
-            <a:avLst>
-              <a:gd name="adj1" fmla="val 66129"/>
-              <a:gd name="adj2" fmla="val 50000"/>
-            </a:avLst>
-          </a:prstGeom>
-          <a:solidFill>
-            <a:srgbClr val="C00000"/>
-          </a:solidFill>
-        </p:spPr>
-        <p:style>
-          <a:lnRef idx="3">
-            <a:schemeClr val="lt1"/>
-          </a:lnRef>
-          <a:fillRef idx="1">
-            <a:schemeClr val="accent1"/>
-          </a:fillRef>
-          <a:effectRef idx="1">
-            <a:schemeClr val="accent1"/>
-          </a:effectRef>
-          <a:fontRef idx="minor">
-            <a:schemeClr val="lt1"/>
-          </a:fontRef>
-        </p:style>
-        <p:txBody>
-          <a:bodyPr rtlCol="0" anchor="ctr"/>
-          <a:lstStyle/>
-          <a:p>
-            <a:pPr algn="ctr"/>
-            <a:endParaRPr lang="en-US" b="1" dirty="0"/>
-          </a:p>
-        </p:txBody>
-      </p:sp>
-      <p:sp>
-        <p:nvSpPr>
-          <p:cNvPr id="27" name="Left-Right Arrow 26">
-            <a:extLst>
-              <a:ext uri="{FF2B5EF4-FFF2-40B4-BE49-F238E27FC236}">
-                <a16:creationId xmlns:a16="http://schemas.microsoft.com/office/drawing/2014/main" id="{F1B778CA-CE38-EB4C-B06B-AB4859565710}"/>
-              </a:ext>
-            </a:extLst>
-          </p:cNvPr>
-          <p:cNvSpPr/>
-          <p:nvPr/>
-        </p:nvSpPr>
-        <p:spPr>
-          <a:xfrm>
-            <a:off x="3997542" y="2508840"/>
-            <a:ext cx="1309944" cy="527493"/>
-          </a:xfrm>
-          <a:prstGeom prst="leftRightArrow">
-            <a:avLst>
-              <a:gd name="adj1" fmla="val 66129"/>
-              <a:gd name="adj2" fmla="val 50000"/>
-            </a:avLst>
-          </a:prstGeom>
-          <a:solidFill>
-            <a:srgbClr val="C00000"/>
-          </a:solidFill>
-        </p:spPr>
-        <p:style>
-          <a:lnRef idx="3">
-            <a:schemeClr val="lt1"/>
-          </a:lnRef>
-          <a:fillRef idx="1">
-            <a:schemeClr val="accent1"/>
-          </a:fillRef>
-          <a:effectRef idx="1">
-            <a:schemeClr val="accent1"/>
-          </a:effectRef>
-          <a:fontRef idx="minor">
-            <a:schemeClr val="lt1"/>
-          </a:fontRef>
-        </p:style>
-        <p:txBody>
-          <a:bodyPr rtlCol="0" anchor="ctr"/>
-          <a:lstStyle/>
-          <a:p>
-            <a:pPr algn="ctr"/>
-            <a:endParaRPr lang="en-US" b="1" dirty="0"/>
-          </a:p>
-        </p:txBody>
-      </p:sp>
-    </p:spTree>
-    <p:extLst>
-      <p:ext uri="{BB962C8B-B14F-4D97-AF65-F5344CB8AC3E}">
-        <p14:creationId xmlns:p14="http://schemas.microsoft.com/office/powerpoint/2010/main" val="2027426652"/>
+        <p14:creationId xmlns:p14="http://schemas.microsoft.com/office/powerpoint/2010/main" val="1606565288"/>
       </p:ext>
     </p:extLst>
   </p:cSld>
@@ -5468,12 +5298,12 @@
         </p:nvSpPr>
         <p:spPr>
           <a:xfrm>
-            <a:off x="1491343" y="261257"/>
-            <a:ext cx="5303157" cy="6172199"/>
+            <a:off x="1955800" y="1117600"/>
+            <a:ext cx="4979580" cy="3327400"/>
           </a:xfrm>
           <a:prstGeom prst="roundRect">
             <a:avLst>
-              <a:gd name="adj" fmla="val 3856"/>
+              <a:gd name="adj" fmla="val 4332"/>
             </a:avLst>
           </a:prstGeom>
         </p:spPr>
@@ -5518,12 +5348,12 @@
         </p:nvSpPr>
         <p:spPr>
           <a:xfrm>
-            <a:off x="8966200" y="261257"/>
-            <a:ext cx="2540000" cy="6172199"/>
+            <a:off x="8966200" y="1117600"/>
+            <a:ext cx="2540000" cy="3327400"/>
           </a:xfrm>
           <a:prstGeom prst="roundRect">
             <a:avLst>
-              <a:gd name="adj" fmla="val 4953"/>
+              <a:gd name="adj" fmla="val 6667"/>
             </a:avLst>
           </a:prstGeom>
           <a:solidFill>
@@ -5580,7 +5410,7 @@
         </p:nvSpPr>
         <p:spPr>
           <a:xfrm>
-            <a:off x="6978650" y="3172619"/>
+            <a:off x="7049090" y="2387600"/>
             <a:ext cx="1803400" cy="787400"/>
           </a:xfrm>
           <a:prstGeom prst="leftRightArrow">
@@ -5635,8 +5465,8 @@
         </p:nvSpPr>
         <p:spPr>
           <a:xfrm>
-            <a:off x="1709056" y="978807"/>
-            <a:ext cx="1088571" cy="466725"/>
+            <a:off x="2115876" y="2470150"/>
+            <a:ext cx="1807538" cy="622300"/>
           </a:xfrm>
           <a:prstGeom prst="roundRect">
             <a:avLst/>
@@ -5665,7 +5495,7 @@
           <a:p>
             <a:pPr algn="ctr"/>
             <a:r>
-              <a:rPr lang="en-US" sz="1000" dirty="0"/>
+              <a:rPr lang="en-US" dirty="0"/>
               <a:t>Control Unit</a:t>
             </a:r>
           </a:p>
@@ -5685,8 +5515,8 @@
         </p:nvSpPr>
         <p:spPr>
           <a:xfrm>
-            <a:off x="1709056" y="1590221"/>
-            <a:ext cx="1088571" cy="466725"/>
+            <a:off x="2115876" y="3429000"/>
+            <a:ext cx="1807538" cy="622300"/>
           </a:xfrm>
           <a:prstGeom prst="roundRect">
             <a:avLst/>
@@ -5715,7 +5545,7 @@
           <a:p>
             <a:pPr algn="ctr"/>
             <a:r>
-              <a:rPr lang="en-US" sz="1000" dirty="0"/>
+              <a:rPr lang="en-US" dirty="0"/>
               <a:t>Arithmetic Logic Unit (ALU)</a:t>
             </a:r>
           </a:p>
@@ -5735,8 +5565,8 @@
         </p:nvSpPr>
         <p:spPr>
           <a:xfrm>
-            <a:off x="9334500" y="2841171"/>
-            <a:ext cx="1879600" cy="587829"/>
+            <a:off x="9334500" y="2470150"/>
+            <a:ext cx="1879600" cy="622300"/>
           </a:xfrm>
           <a:prstGeom prst="roundRect">
             <a:avLst/>
@@ -5785,8 +5615,8 @@
         </p:nvSpPr>
         <p:spPr>
           <a:xfrm>
-            <a:off x="9334500" y="3765549"/>
-            <a:ext cx="1879600" cy="1611994"/>
+            <a:off x="9334500" y="3429000"/>
+            <a:ext cx="1879600" cy="622300"/>
           </a:xfrm>
           <a:prstGeom prst="roundRect">
             <a:avLst/>
@@ -5823,10 +5653,10 @@
       </p:sp>
       <p:sp>
         <p:nvSpPr>
-          <p:cNvPr id="21" name="Rounded Rectangle 20">
-            <a:extLst>
-              <a:ext uri="{FF2B5EF4-FFF2-40B4-BE49-F238E27FC236}">
-                <a16:creationId xmlns:a16="http://schemas.microsoft.com/office/drawing/2014/main" id="{A61F615A-D655-7C49-9106-56545BCAB96F}"/>
+          <p:cNvPr id="23" name="Rounded Rectangle 22">
+            <a:extLst>
+              <a:ext uri="{FF2B5EF4-FFF2-40B4-BE49-F238E27FC236}">
+                <a16:creationId xmlns:a16="http://schemas.microsoft.com/office/drawing/2014/main" id="{CC931D99-EDDF-B04C-8D05-8F9E16FCD925}"/>
               </a:ext>
             </a:extLst>
           </p:cNvPr>
@@ -5835,8 +5665,8 @@
         </p:nvSpPr>
         <p:spPr>
           <a:xfrm>
-            <a:off x="5222422" y="884237"/>
-            <a:ext cx="1420584" cy="5712505"/>
+            <a:off x="5371284" y="1286540"/>
+            <a:ext cx="1420584" cy="3019646"/>
           </a:xfrm>
           <a:prstGeom prst="roundRect">
             <a:avLst>
@@ -5868,32 +5698,36 @@
             <a:pPr algn="ctr"/>
             <a:r>
               <a:rPr lang="en-US" b="1" dirty="0"/>
-              <a:t>L3 Cache</a:t>
+              <a:t>Cache</a:t>
+            </a:r>
+          </a:p>
+          <a:p>
+            <a:pPr algn="ctr">
+              <a:spcAft>
+                <a:spcPts val="600"/>
+              </a:spcAft>
+            </a:pPr>
+            <a:r>
+              <a:rPr lang="en-US" b="1" dirty="0"/>
+              <a:t>memory</a:t>
             </a:r>
           </a:p>
           <a:p>
             <a:pPr algn="ctr"/>
             <a:r>
-              <a:rPr lang="en-US" dirty="0"/>
-              <a:t>30 MB</a:t>
-            </a:r>
-            <a:br>
-              <a:rPr lang="en-US" dirty="0"/>
-            </a:br>
-            <a:r>
-              <a:rPr lang="en-US" sz="1600" dirty="0"/>
-              <a:t>(2.5 MB/core)</a:t>
-            </a:r>
-            <a:endParaRPr lang="en-US" dirty="0"/>
-          </a:p>
-        </p:txBody>
-      </p:sp>
-      <p:sp>
-        <p:nvSpPr>
-          <p:cNvPr id="24" name="Rounded Rectangle 23">
-            <a:extLst>
-              <a:ext uri="{FF2B5EF4-FFF2-40B4-BE49-F238E27FC236}">
-                <a16:creationId xmlns:a16="http://schemas.microsoft.com/office/drawing/2014/main" id="{0A5B98C7-A58D-DE47-A0BB-B8D8C29629E9}"/>
+              <a:rPr lang="en-US" sz="1200" dirty="0"/>
+              <a:t>(stores copies of data from the memory unit for faster access)</a:t>
+            </a:r>
+            <a:endParaRPr lang="en-US" sz="1400" dirty="0"/>
+          </a:p>
+        </p:txBody>
+      </p:sp>
+      <p:sp>
+        <p:nvSpPr>
+          <p:cNvPr id="25" name="Left-Right Arrow 24">
+            <a:extLst>
+              <a:ext uri="{FF2B5EF4-FFF2-40B4-BE49-F238E27FC236}">
+                <a16:creationId xmlns:a16="http://schemas.microsoft.com/office/drawing/2014/main" id="{32927DB9-36CE-3A45-A52E-07E3C573AB88}"/>
               </a:ext>
             </a:extLst>
           </p:cNvPr>
@@ -5902,12 +5736,13 @@
         </p:nvSpPr>
         <p:spPr>
           <a:xfrm>
-            <a:off x="2873827" y="978807"/>
-            <a:ext cx="683989" cy="1078140"/>
-          </a:xfrm>
-          <a:prstGeom prst="roundRect">
+            <a:off x="3997542" y="3476403"/>
+            <a:ext cx="1309944" cy="527493"/>
+          </a:xfrm>
+          <a:prstGeom prst="leftRightArrow">
             <a:avLst>
-              <a:gd name="adj" fmla="val 6667"/>
+              <a:gd name="adj1" fmla="val 66129"/>
+              <a:gd name="adj2" fmla="val 50000"/>
             </a:avLst>
           </a:prstGeom>
           <a:solidFill>
@@ -5933,26 +5768,16 @@
           <a:lstStyle/>
           <a:p>
             <a:pPr algn="ctr"/>
-            <a:r>
-              <a:rPr lang="en-US" sz="1000" b="1" dirty="0"/>
-              <a:t>L1 Cache</a:t>
-            </a:r>
-          </a:p>
-          <a:p>
-            <a:pPr algn="ctr"/>
-            <a:r>
-              <a:rPr lang="en-US" sz="1000" dirty="0"/>
-              <a:t>32 KB</a:t>
-            </a:r>
-          </a:p>
-        </p:txBody>
-      </p:sp>
-      <p:sp>
-        <p:nvSpPr>
-          <p:cNvPr id="25" name="Rounded Rectangle 24">
-            <a:extLst>
-              <a:ext uri="{FF2B5EF4-FFF2-40B4-BE49-F238E27FC236}">
-                <a16:creationId xmlns:a16="http://schemas.microsoft.com/office/drawing/2014/main" id="{CCA6098F-8E7F-AE40-8541-1AD66BE13D5D}"/>
+            <a:endParaRPr lang="en-US" b="1" dirty="0"/>
+          </a:p>
+        </p:txBody>
+      </p:sp>
+      <p:sp>
+        <p:nvSpPr>
+          <p:cNvPr id="27" name="Left-Right Arrow 26">
+            <a:extLst>
+              <a:ext uri="{FF2B5EF4-FFF2-40B4-BE49-F238E27FC236}">
+                <a16:creationId xmlns:a16="http://schemas.microsoft.com/office/drawing/2014/main" id="{F1B778CA-CE38-EB4C-B06B-AB4859565710}"/>
               </a:ext>
             </a:extLst>
           </p:cNvPr>
@@ -5961,12 +5786,13 @@
         </p:nvSpPr>
         <p:spPr>
           <a:xfrm>
-            <a:off x="3623133" y="978807"/>
-            <a:ext cx="1362526" cy="1078140"/>
-          </a:xfrm>
-          <a:prstGeom prst="roundRect">
+            <a:off x="3997542" y="2508840"/>
+            <a:ext cx="1309944" cy="527493"/>
+          </a:xfrm>
+          <a:prstGeom prst="leftRightArrow">
             <a:avLst>
-              <a:gd name="adj" fmla="val 6667"/>
+              <a:gd name="adj1" fmla="val 66129"/>
+              <a:gd name="adj2" fmla="val 50000"/>
             </a:avLst>
           </a:prstGeom>
           <a:solidFill>
@@ -5992,739 +5818,14 @@
           <a:lstStyle/>
           <a:p>
             <a:pPr algn="ctr"/>
-            <a:r>
-              <a:rPr lang="en-US" sz="1400" b="1" dirty="0"/>
-              <a:t>L2 Cache</a:t>
-            </a:r>
-          </a:p>
-          <a:p>
-            <a:pPr algn="ctr"/>
-            <a:r>
-              <a:rPr lang="en-US" sz="1400" dirty="0"/>
-              <a:t>256 KB</a:t>
-            </a:r>
-          </a:p>
-        </p:txBody>
-      </p:sp>
-      <p:sp>
-        <p:nvSpPr>
-          <p:cNvPr id="26" name="Rounded Rectangle 25">
-            <a:extLst>
-              <a:ext uri="{FF2B5EF4-FFF2-40B4-BE49-F238E27FC236}">
-                <a16:creationId xmlns:a16="http://schemas.microsoft.com/office/drawing/2014/main" id="{AB42572C-FC7E-B942-9115-E823E0236A86}"/>
-              </a:ext>
-            </a:extLst>
-          </p:cNvPr>
-          <p:cNvSpPr/>
-          <p:nvPr/>
-        </p:nvSpPr>
-        <p:spPr>
-          <a:xfrm>
-            <a:off x="1643741" y="884237"/>
-            <a:ext cx="3438075" cy="1282020"/>
-          </a:xfrm>
-          <a:prstGeom prst="roundRect">
-            <a:avLst>
-              <a:gd name="adj" fmla="val 9025"/>
-            </a:avLst>
-          </a:prstGeom>
-          <a:noFill/>
-        </p:spPr>
-        <p:style>
-          <a:lnRef idx="3">
-            <a:schemeClr val="lt1"/>
-          </a:lnRef>
-          <a:fillRef idx="1">
-            <a:schemeClr val="accent1"/>
-          </a:fillRef>
-          <a:effectRef idx="1">
-            <a:schemeClr val="accent1"/>
-          </a:effectRef>
-          <a:fontRef idx="minor">
-            <a:schemeClr val="lt1"/>
-          </a:fontRef>
-        </p:style>
-        <p:txBody>
-          <a:bodyPr rtlCol="0" anchor="ctr"/>
-          <a:lstStyle/>
-          <a:p>
-            <a:pPr algn="ctr"/>
-            <a:endParaRPr lang="en-US" sz="1000" dirty="0"/>
-          </a:p>
-        </p:txBody>
-      </p:sp>
-      <p:sp>
-        <p:nvSpPr>
-          <p:cNvPr id="27" name="Rounded Rectangle 26">
-            <a:extLst>
-              <a:ext uri="{FF2B5EF4-FFF2-40B4-BE49-F238E27FC236}">
-                <a16:creationId xmlns:a16="http://schemas.microsoft.com/office/drawing/2014/main" id="{6FEB4BE9-D53C-7E48-A558-7F51B286DC4C}"/>
-              </a:ext>
-            </a:extLst>
-          </p:cNvPr>
-          <p:cNvSpPr/>
-          <p:nvPr/>
-        </p:nvSpPr>
-        <p:spPr>
-          <a:xfrm>
-            <a:off x="1709056" y="2513693"/>
-            <a:ext cx="1088571" cy="466725"/>
-          </a:xfrm>
-          <a:prstGeom prst="roundRect">
-            <a:avLst/>
-          </a:prstGeom>
-          <a:solidFill>
-            <a:schemeClr val="accent5"/>
-          </a:solidFill>
-        </p:spPr>
-        <p:style>
-          <a:lnRef idx="3">
-            <a:schemeClr val="lt1"/>
-          </a:lnRef>
-          <a:fillRef idx="1">
-            <a:schemeClr val="accent1"/>
-          </a:fillRef>
-          <a:effectRef idx="1">
-            <a:schemeClr val="accent1"/>
-          </a:effectRef>
-          <a:fontRef idx="minor">
-            <a:schemeClr val="lt1"/>
-          </a:fontRef>
-        </p:style>
-        <p:txBody>
-          <a:bodyPr rtlCol="0" anchor="ctr"/>
-          <a:lstStyle/>
-          <a:p>
-            <a:pPr algn="ctr"/>
-            <a:r>
-              <a:rPr lang="en-US" sz="1000" dirty="0"/>
-              <a:t>Control Unit</a:t>
-            </a:r>
-          </a:p>
-        </p:txBody>
-      </p:sp>
-      <p:sp>
-        <p:nvSpPr>
-          <p:cNvPr id="28" name="Rounded Rectangle 27">
-            <a:extLst>
-              <a:ext uri="{FF2B5EF4-FFF2-40B4-BE49-F238E27FC236}">
-                <a16:creationId xmlns:a16="http://schemas.microsoft.com/office/drawing/2014/main" id="{C436B5B7-537B-2A42-BD8F-B2F074C65ADD}"/>
-              </a:ext>
-            </a:extLst>
-          </p:cNvPr>
-          <p:cNvSpPr/>
-          <p:nvPr/>
-        </p:nvSpPr>
-        <p:spPr>
-          <a:xfrm>
-            <a:off x="1709056" y="3125107"/>
-            <a:ext cx="1088571" cy="466725"/>
-          </a:xfrm>
-          <a:prstGeom prst="roundRect">
-            <a:avLst/>
-          </a:prstGeom>
-          <a:solidFill>
-            <a:schemeClr val="accent5"/>
-          </a:solidFill>
-        </p:spPr>
-        <p:style>
-          <a:lnRef idx="3">
-            <a:schemeClr val="lt1"/>
-          </a:lnRef>
-          <a:fillRef idx="1">
-            <a:schemeClr val="accent1"/>
-          </a:fillRef>
-          <a:effectRef idx="1">
-            <a:schemeClr val="accent1"/>
-          </a:effectRef>
-          <a:fontRef idx="minor">
-            <a:schemeClr val="lt1"/>
-          </a:fontRef>
-        </p:style>
-        <p:txBody>
-          <a:bodyPr rtlCol="0" anchor="ctr"/>
-          <a:lstStyle/>
-          <a:p>
-            <a:pPr algn="ctr"/>
-            <a:r>
-              <a:rPr lang="en-US" sz="1000" dirty="0"/>
-              <a:t>Arithmetic Logic Unit (ALU)</a:t>
-            </a:r>
-          </a:p>
-        </p:txBody>
-      </p:sp>
-      <p:sp>
-        <p:nvSpPr>
-          <p:cNvPr id="29" name="Rounded Rectangle 28">
-            <a:extLst>
-              <a:ext uri="{FF2B5EF4-FFF2-40B4-BE49-F238E27FC236}">
-                <a16:creationId xmlns:a16="http://schemas.microsoft.com/office/drawing/2014/main" id="{49C7EB3C-CC3A-E44E-9952-C095081534B5}"/>
-              </a:ext>
-            </a:extLst>
-          </p:cNvPr>
-          <p:cNvSpPr/>
-          <p:nvPr/>
-        </p:nvSpPr>
-        <p:spPr>
-          <a:xfrm>
-            <a:off x="2873828" y="2513693"/>
-            <a:ext cx="683988" cy="1078140"/>
-          </a:xfrm>
-          <a:prstGeom prst="roundRect">
-            <a:avLst>
-              <a:gd name="adj" fmla="val 6667"/>
-            </a:avLst>
-          </a:prstGeom>
-          <a:solidFill>
-            <a:srgbClr val="C00000"/>
-          </a:solidFill>
-        </p:spPr>
-        <p:style>
-          <a:lnRef idx="3">
-            <a:schemeClr val="lt1"/>
-          </a:lnRef>
-          <a:fillRef idx="1">
-            <a:schemeClr val="accent1"/>
-          </a:fillRef>
-          <a:effectRef idx="1">
-            <a:schemeClr val="accent1"/>
-          </a:effectRef>
-          <a:fontRef idx="minor">
-            <a:schemeClr val="lt1"/>
-          </a:fontRef>
-        </p:style>
-        <p:txBody>
-          <a:bodyPr rtlCol="0" anchor="ctr"/>
-          <a:lstStyle/>
-          <a:p>
-            <a:pPr algn="ctr"/>
-            <a:r>
-              <a:rPr lang="en-US" sz="1000" b="1" dirty="0"/>
-              <a:t>L1 Cache</a:t>
-            </a:r>
-          </a:p>
-          <a:p>
-            <a:pPr algn="ctr"/>
-            <a:r>
-              <a:rPr lang="en-US" sz="1000" dirty="0"/>
-              <a:t>32 KB</a:t>
-            </a:r>
-          </a:p>
-        </p:txBody>
-      </p:sp>
-      <p:sp>
-        <p:nvSpPr>
-          <p:cNvPr id="36" name="Rounded Rectangle 35">
-            <a:extLst>
-              <a:ext uri="{FF2B5EF4-FFF2-40B4-BE49-F238E27FC236}">
-                <a16:creationId xmlns:a16="http://schemas.microsoft.com/office/drawing/2014/main" id="{4587A64B-FF31-E84A-A840-F10FFF8C5B0F}"/>
-              </a:ext>
-            </a:extLst>
-          </p:cNvPr>
-          <p:cNvSpPr/>
-          <p:nvPr/>
-        </p:nvSpPr>
-        <p:spPr>
-          <a:xfrm>
-            <a:off x="3623133" y="2513693"/>
-            <a:ext cx="1362526" cy="1078140"/>
-          </a:xfrm>
-          <a:prstGeom prst="roundRect">
-            <a:avLst>
-              <a:gd name="adj" fmla="val 6667"/>
-            </a:avLst>
-          </a:prstGeom>
-          <a:solidFill>
-            <a:srgbClr val="C00000"/>
-          </a:solidFill>
-        </p:spPr>
-        <p:style>
-          <a:lnRef idx="3">
-            <a:schemeClr val="lt1"/>
-          </a:lnRef>
-          <a:fillRef idx="1">
-            <a:schemeClr val="accent1"/>
-          </a:fillRef>
-          <a:effectRef idx="1">
-            <a:schemeClr val="accent1"/>
-          </a:effectRef>
-          <a:fontRef idx="minor">
-            <a:schemeClr val="lt1"/>
-          </a:fontRef>
-        </p:style>
-        <p:txBody>
-          <a:bodyPr rtlCol="0" anchor="ctr"/>
-          <a:lstStyle/>
-          <a:p>
-            <a:pPr algn="ctr"/>
-            <a:r>
-              <a:rPr lang="en-US" sz="1400" b="1" dirty="0"/>
-              <a:t>L2 Cache</a:t>
-            </a:r>
-          </a:p>
-          <a:p>
-            <a:pPr algn="ctr"/>
-            <a:r>
-              <a:rPr lang="en-US" sz="1400" dirty="0"/>
-              <a:t>256 KB</a:t>
-            </a:r>
-          </a:p>
-        </p:txBody>
-      </p:sp>
-      <p:sp>
-        <p:nvSpPr>
-          <p:cNvPr id="37" name="Rounded Rectangle 36">
-            <a:extLst>
-              <a:ext uri="{FF2B5EF4-FFF2-40B4-BE49-F238E27FC236}">
-                <a16:creationId xmlns:a16="http://schemas.microsoft.com/office/drawing/2014/main" id="{EC0B4AF1-8F16-4B48-B309-85594EBA3F56}"/>
-              </a:ext>
-            </a:extLst>
-          </p:cNvPr>
-          <p:cNvSpPr/>
-          <p:nvPr/>
-        </p:nvSpPr>
-        <p:spPr>
-          <a:xfrm>
-            <a:off x="1643741" y="2419123"/>
-            <a:ext cx="3438075" cy="1282020"/>
-          </a:xfrm>
-          <a:prstGeom prst="roundRect">
-            <a:avLst>
-              <a:gd name="adj" fmla="val 9025"/>
-            </a:avLst>
-          </a:prstGeom>
-          <a:noFill/>
-        </p:spPr>
-        <p:style>
-          <a:lnRef idx="3">
-            <a:schemeClr val="lt1"/>
-          </a:lnRef>
-          <a:fillRef idx="1">
-            <a:schemeClr val="accent1"/>
-          </a:fillRef>
-          <a:effectRef idx="1">
-            <a:schemeClr val="accent1"/>
-          </a:effectRef>
-          <a:fontRef idx="minor">
-            <a:schemeClr val="lt1"/>
-          </a:fontRef>
-        </p:style>
-        <p:txBody>
-          <a:bodyPr rtlCol="0" anchor="ctr"/>
-          <a:lstStyle/>
-          <a:p>
-            <a:pPr algn="ctr"/>
-            <a:endParaRPr lang="en-US" sz="1000" dirty="0"/>
-          </a:p>
-        </p:txBody>
-      </p:sp>
-      <p:sp>
-        <p:nvSpPr>
-          <p:cNvPr id="38" name="Rounded Rectangle 37">
-            <a:extLst>
-              <a:ext uri="{FF2B5EF4-FFF2-40B4-BE49-F238E27FC236}">
-                <a16:creationId xmlns:a16="http://schemas.microsoft.com/office/drawing/2014/main" id="{6639D44D-34A5-574F-9988-8C18F07762C5}"/>
-              </a:ext>
-            </a:extLst>
-          </p:cNvPr>
-          <p:cNvSpPr/>
-          <p:nvPr/>
-        </p:nvSpPr>
-        <p:spPr>
-          <a:xfrm>
-            <a:off x="1709056" y="4015921"/>
-            <a:ext cx="1088571" cy="466725"/>
-          </a:xfrm>
-          <a:prstGeom prst="roundRect">
-            <a:avLst/>
-          </a:prstGeom>
-          <a:solidFill>
-            <a:schemeClr val="accent5"/>
-          </a:solidFill>
-        </p:spPr>
-        <p:style>
-          <a:lnRef idx="3">
-            <a:schemeClr val="lt1"/>
-          </a:lnRef>
-          <a:fillRef idx="1">
-            <a:schemeClr val="accent1"/>
-          </a:fillRef>
-          <a:effectRef idx="1">
-            <a:schemeClr val="accent1"/>
-          </a:effectRef>
-          <a:fontRef idx="minor">
-            <a:schemeClr val="lt1"/>
-          </a:fontRef>
-        </p:style>
-        <p:txBody>
-          <a:bodyPr rtlCol="0" anchor="ctr"/>
-          <a:lstStyle/>
-          <a:p>
-            <a:pPr algn="ctr"/>
-            <a:r>
-              <a:rPr lang="en-US" sz="1000" dirty="0"/>
-              <a:t>Control Unit</a:t>
-            </a:r>
-          </a:p>
-        </p:txBody>
-      </p:sp>
-      <p:sp>
-        <p:nvSpPr>
-          <p:cNvPr id="39" name="Rounded Rectangle 38">
-            <a:extLst>
-              <a:ext uri="{FF2B5EF4-FFF2-40B4-BE49-F238E27FC236}">
-                <a16:creationId xmlns:a16="http://schemas.microsoft.com/office/drawing/2014/main" id="{C88B72F7-01ED-5741-BA26-AE1958DEAA99}"/>
-              </a:ext>
-            </a:extLst>
-          </p:cNvPr>
-          <p:cNvSpPr/>
-          <p:nvPr/>
-        </p:nvSpPr>
-        <p:spPr>
-          <a:xfrm>
-            <a:off x="1709056" y="4627335"/>
-            <a:ext cx="1088571" cy="466725"/>
-          </a:xfrm>
-          <a:prstGeom prst="roundRect">
-            <a:avLst/>
-          </a:prstGeom>
-          <a:solidFill>
-            <a:schemeClr val="accent5"/>
-          </a:solidFill>
-        </p:spPr>
-        <p:style>
-          <a:lnRef idx="3">
-            <a:schemeClr val="lt1"/>
-          </a:lnRef>
-          <a:fillRef idx="1">
-            <a:schemeClr val="accent1"/>
-          </a:fillRef>
-          <a:effectRef idx="1">
-            <a:schemeClr val="accent1"/>
-          </a:effectRef>
-          <a:fontRef idx="minor">
-            <a:schemeClr val="lt1"/>
-          </a:fontRef>
-        </p:style>
-        <p:txBody>
-          <a:bodyPr rtlCol="0" anchor="ctr"/>
-          <a:lstStyle/>
-          <a:p>
-            <a:pPr algn="ctr"/>
-            <a:r>
-              <a:rPr lang="en-US" sz="1000" dirty="0"/>
-              <a:t>Arithmetic Logic Unit (ALU)</a:t>
-            </a:r>
-          </a:p>
-        </p:txBody>
-      </p:sp>
-      <p:sp>
-        <p:nvSpPr>
-          <p:cNvPr id="40" name="Rounded Rectangle 39">
-            <a:extLst>
-              <a:ext uri="{FF2B5EF4-FFF2-40B4-BE49-F238E27FC236}">
-                <a16:creationId xmlns:a16="http://schemas.microsoft.com/office/drawing/2014/main" id="{9BC6504E-D0F4-6C4D-AABD-48FD5C83CF8F}"/>
-              </a:ext>
-            </a:extLst>
-          </p:cNvPr>
-          <p:cNvSpPr/>
-          <p:nvPr/>
-        </p:nvSpPr>
-        <p:spPr>
-          <a:xfrm>
-            <a:off x="2873828" y="4015921"/>
-            <a:ext cx="683988" cy="1078140"/>
-          </a:xfrm>
-          <a:prstGeom prst="roundRect">
-            <a:avLst>
-              <a:gd name="adj" fmla="val 6667"/>
-            </a:avLst>
-          </a:prstGeom>
-          <a:solidFill>
-            <a:srgbClr val="C00000"/>
-          </a:solidFill>
-        </p:spPr>
-        <p:style>
-          <a:lnRef idx="3">
-            <a:schemeClr val="lt1"/>
-          </a:lnRef>
-          <a:fillRef idx="1">
-            <a:schemeClr val="accent1"/>
-          </a:fillRef>
-          <a:effectRef idx="1">
-            <a:schemeClr val="accent1"/>
-          </a:effectRef>
-          <a:fontRef idx="minor">
-            <a:schemeClr val="lt1"/>
-          </a:fontRef>
-        </p:style>
-        <p:txBody>
-          <a:bodyPr rtlCol="0" anchor="ctr"/>
-          <a:lstStyle/>
-          <a:p>
-            <a:pPr algn="ctr"/>
-            <a:r>
-              <a:rPr lang="en-US" sz="1000" b="1" dirty="0"/>
-              <a:t>L1 Cache</a:t>
-            </a:r>
-          </a:p>
-          <a:p>
-            <a:pPr algn="ctr"/>
-            <a:r>
-              <a:rPr lang="en-US" sz="1000" dirty="0"/>
-              <a:t>32 KB</a:t>
-            </a:r>
-          </a:p>
-        </p:txBody>
-      </p:sp>
-      <p:sp>
-        <p:nvSpPr>
-          <p:cNvPr id="41" name="Rounded Rectangle 40">
-            <a:extLst>
-              <a:ext uri="{FF2B5EF4-FFF2-40B4-BE49-F238E27FC236}">
-                <a16:creationId xmlns:a16="http://schemas.microsoft.com/office/drawing/2014/main" id="{48AF83AC-487E-CA4E-BFE1-9EA06BB20673}"/>
-              </a:ext>
-            </a:extLst>
-          </p:cNvPr>
-          <p:cNvSpPr/>
-          <p:nvPr/>
-        </p:nvSpPr>
-        <p:spPr>
-          <a:xfrm>
-            <a:off x="3623133" y="4015921"/>
-            <a:ext cx="1362526" cy="1078140"/>
-          </a:xfrm>
-          <a:prstGeom prst="roundRect">
-            <a:avLst>
-              <a:gd name="adj" fmla="val 6667"/>
-            </a:avLst>
-          </a:prstGeom>
-          <a:solidFill>
-            <a:srgbClr val="C00000"/>
-          </a:solidFill>
-        </p:spPr>
-        <p:style>
-          <a:lnRef idx="3">
-            <a:schemeClr val="lt1"/>
-          </a:lnRef>
-          <a:fillRef idx="1">
-            <a:schemeClr val="accent1"/>
-          </a:fillRef>
-          <a:effectRef idx="1">
-            <a:schemeClr val="accent1"/>
-          </a:effectRef>
-          <a:fontRef idx="minor">
-            <a:schemeClr val="lt1"/>
-          </a:fontRef>
-        </p:style>
-        <p:txBody>
-          <a:bodyPr rtlCol="0" anchor="ctr"/>
-          <a:lstStyle/>
-          <a:p>
-            <a:pPr algn="ctr"/>
-            <a:r>
-              <a:rPr lang="en-US" sz="1400" b="1" dirty="0"/>
-              <a:t>L2 Cache</a:t>
-            </a:r>
-          </a:p>
-          <a:p>
-            <a:pPr algn="ctr"/>
-            <a:r>
-              <a:rPr lang="en-US" sz="1400" dirty="0"/>
-              <a:t>256 KB</a:t>
-            </a:r>
-          </a:p>
-        </p:txBody>
-      </p:sp>
-      <p:sp>
-        <p:nvSpPr>
-          <p:cNvPr id="42" name="Rounded Rectangle 41">
-            <a:extLst>
-              <a:ext uri="{FF2B5EF4-FFF2-40B4-BE49-F238E27FC236}">
-                <a16:creationId xmlns:a16="http://schemas.microsoft.com/office/drawing/2014/main" id="{FD908D90-9099-8149-AE0E-8C32E7AF6F75}"/>
-              </a:ext>
-            </a:extLst>
-          </p:cNvPr>
-          <p:cNvSpPr/>
-          <p:nvPr/>
-        </p:nvSpPr>
-        <p:spPr>
-          <a:xfrm>
-            <a:off x="1643741" y="3921351"/>
-            <a:ext cx="3438075" cy="1282020"/>
-          </a:xfrm>
-          <a:prstGeom prst="roundRect">
-            <a:avLst>
-              <a:gd name="adj" fmla="val 9025"/>
-            </a:avLst>
-          </a:prstGeom>
-          <a:noFill/>
-        </p:spPr>
-        <p:style>
-          <a:lnRef idx="3">
-            <a:schemeClr val="lt1"/>
-          </a:lnRef>
-          <a:fillRef idx="1">
-            <a:schemeClr val="accent1"/>
-          </a:fillRef>
-          <a:effectRef idx="1">
-            <a:schemeClr val="accent1"/>
-          </a:effectRef>
-          <a:fontRef idx="minor">
-            <a:schemeClr val="lt1"/>
-          </a:fontRef>
-        </p:style>
-        <p:txBody>
-          <a:bodyPr rtlCol="0" anchor="ctr"/>
-          <a:lstStyle/>
-          <a:p>
-            <a:pPr algn="ctr"/>
-            <a:endParaRPr lang="en-US" sz="1000" dirty="0"/>
-          </a:p>
-        </p:txBody>
-      </p:sp>
-      <p:sp>
-        <p:nvSpPr>
-          <p:cNvPr id="2" name="TextBox 1">
-            <a:extLst>
-              <a:ext uri="{FF2B5EF4-FFF2-40B4-BE49-F238E27FC236}">
-                <a16:creationId xmlns:a16="http://schemas.microsoft.com/office/drawing/2014/main" id="{D166DC22-95C0-0F41-AE37-E2F6B7373A34}"/>
-              </a:ext>
-            </a:extLst>
-          </p:cNvPr>
-          <p:cNvSpPr txBox="1"/>
-          <p:nvPr/>
-        </p:nvSpPr>
-        <p:spPr>
-          <a:xfrm>
-            <a:off x="2964458" y="5423579"/>
-            <a:ext cx="538930" cy="707886"/>
-          </a:xfrm>
-          <a:prstGeom prst="rect">
-            <a:avLst/>
-          </a:prstGeom>
-          <a:noFill/>
-        </p:spPr>
-        <p:txBody>
-          <a:bodyPr wrap="none" rtlCol="0">
-            <a:spAutoFit/>
-          </a:bodyPr>
-          <a:lstStyle/>
-          <a:p>
-            <a:r>
-              <a:rPr lang="en-US" sz="4000">
-                <a:solidFill>
-                  <a:schemeClr val="bg1"/>
-                </a:solidFill>
-              </a:rPr>
-              <a:t>…</a:t>
-            </a:r>
-          </a:p>
-        </p:txBody>
-      </p:sp>
-      <p:sp>
-        <p:nvSpPr>
-          <p:cNvPr id="43" name="Rounded Rectangle 42">
-            <a:extLst>
-              <a:ext uri="{FF2B5EF4-FFF2-40B4-BE49-F238E27FC236}">
-                <a16:creationId xmlns:a16="http://schemas.microsoft.com/office/drawing/2014/main" id="{03018535-BD38-7243-8267-97C00902EB2D}"/>
-              </a:ext>
-            </a:extLst>
-          </p:cNvPr>
-          <p:cNvSpPr/>
-          <p:nvPr/>
-        </p:nvSpPr>
-        <p:spPr>
-          <a:xfrm>
-            <a:off x="1643741" y="5434466"/>
-            <a:ext cx="3438075" cy="1282020"/>
-          </a:xfrm>
-          <a:prstGeom prst="roundRect">
-            <a:avLst>
-              <a:gd name="adj" fmla="val 9025"/>
-            </a:avLst>
-          </a:prstGeom>
-          <a:noFill/>
-        </p:spPr>
-        <p:style>
-          <a:lnRef idx="3">
-            <a:schemeClr val="lt1"/>
-          </a:lnRef>
-          <a:fillRef idx="1">
-            <a:schemeClr val="accent1"/>
-          </a:fillRef>
-          <a:effectRef idx="1">
-            <a:schemeClr val="accent1"/>
-          </a:effectRef>
-          <a:fontRef idx="minor">
-            <a:schemeClr val="lt1"/>
-          </a:fontRef>
-        </p:style>
-        <p:txBody>
-          <a:bodyPr rtlCol="0" anchor="ctr"/>
-          <a:lstStyle/>
-          <a:p>
-            <a:pPr algn="ctr"/>
-            <a:endParaRPr lang="en-US" sz="1000" dirty="0"/>
-          </a:p>
-        </p:txBody>
-      </p:sp>
-      <p:sp>
-        <p:nvSpPr>
-          <p:cNvPr id="12" name="Rectangle 11">
-            <a:extLst>
-              <a:ext uri="{FF2B5EF4-FFF2-40B4-BE49-F238E27FC236}">
-                <a16:creationId xmlns:a16="http://schemas.microsoft.com/office/drawing/2014/main" id="{DC5A31E6-1910-7443-952F-1BA400E09AA5}"/>
-              </a:ext>
-            </a:extLst>
-          </p:cNvPr>
-          <p:cNvSpPr/>
-          <p:nvPr/>
-        </p:nvSpPr>
-        <p:spPr>
-          <a:xfrm>
-            <a:off x="1491343" y="6433456"/>
-            <a:ext cx="5335813" cy="307975"/>
-          </a:xfrm>
-          <a:prstGeom prst="rect">
-            <a:avLst/>
-          </a:prstGeom>
-          <a:solidFill>
-            <a:schemeClr val="bg1"/>
-          </a:solidFill>
-          <a:ln>
-            <a:noFill/>
-          </a:ln>
-        </p:spPr>
-        <p:style>
-          <a:lnRef idx="2">
-            <a:schemeClr val="accent1">
-              <a:shade val="50000"/>
-            </a:schemeClr>
-          </a:lnRef>
-          <a:fillRef idx="1">
-            <a:schemeClr val="accent1"/>
-          </a:fillRef>
-          <a:effectRef idx="0">
-            <a:schemeClr val="accent1"/>
-          </a:effectRef>
-          <a:fontRef idx="minor">
-            <a:schemeClr val="lt1"/>
-          </a:fontRef>
-        </p:style>
-        <p:txBody>
-          <a:bodyPr rtlCol="0" anchor="ctr"/>
-          <a:lstStyle/>
-          <a:p>
-            <a:pPr algn="ctr"/>
-            <a:endParaRPr lang="en-US"/>
+            <a:endParaRPr lang="en-US" b="1" dirty="0"/>
           </a:p>
         </p:txBody>
       </p:sp>
     </p:spTree>
     <p:extLst>
       <p:ext uri="{BB962C8B-B14F-4D97-AF65-F5344CB8AC3E}">
-        <p14:creationId xmlns:p14="http://schemas.microsoft.com/office/powerpoint/2010/main" val="3709529886"/>
+        <p14:creationId xmlns:p14="http://schemas.microsoft.com/office/powerpoint/2010/main" val="2027426652"/>
       </p:ext>
     </p:extLst>
   </p:cSld>
@@ -6765,6 +5866,1303 @@
         </p:nvSpPr>
         <p:spPr>
           <a:xfrm>
+            <a:off x="1491343" y="261257"/>
+            <a:ext cx="5303157" cy="6172199"/>
+          </a:xfrm>
+          <a:prstGeom prst="roundRect">
+            <a:avLst>
+              <a:gd name="adj" fmla="val 3856"/>
+            </a:avLst>
+          </a:prstGeom>
+        </p:spPr>
+        <p:style>
+          <a:lnRef idx="2">
+            <a:schemeClr val="accent1">
+              <a:shade val="50000"/>
+            </a:schemeClr>
+          </a:lnRef>
+          <a:fillRef idx="1">
+            <a:schemeClr val="accent1"/>
+          </a:fillRef>
+          <a:effectRef idx="0">
+            <a:schemeClr val="accent1"/>
+          </a:effectRef>
+          <a:fontRef idx="minor">
+            <a:schemeClr val="lt1"/>
+          </a:fontRef>
+        </p:style>
+        <p:txBody>
+          <a:bodyPr rtlCol="0" anchor="t"/>
+          <a:lstStyle/>
+          <a:p>
+            <a:r>
+              <a:rPr lang="en-US" dirty="0"/>
+              <a:t>Central Processing Unit (CPU)</a:t>
+            </a:r>
+          </a:p>
+        </p:txBody>
+      </p:sp>
+      <p:sp>
+        <p:nvSpPr>
+          <p:cNvPr id="5" name="Rounded Rectangle 4">
+            <a:extLst>
+              <a:ext uri="{FF2B5EF4-FFF2-40B4-BE49-F238E27FC236}">
+                <a16:creationId xmlns:a16="http://schemas.microsoft.com/office/drawing/2014/main" id="{058482BA-BB44-B440-8F41-3AD95ECC8AE4}"/>
+              </a:ext>
+            </a:extLst>
+          </p:cNvPr>
+          <p:cNvSpPr/>
+          <p:nvPr/>
+        </p:nvSpPr>
+        <p:spPr>
+          <a:xfrm>
+            <a:off x="8966200" y="261257"/>
+            <a:ext cx="2540000" cy="6172199"/>
+          </a:xfrm>
+          <a:prstGeom prst="roundRect">
+            <a:avLst>
+              <a:gd name="adj" fmla="val 4953"/>
+            </a:avLst>
+          </a:prstGeom>
+          <a:solidFill>
+            <a:schemeClr val="accent2">
+              <a:lumMod val="75000"/>
+            </a:schemeClr>
+          </a:solidFill>
+        </p:spPr>
+        <p:style>
+          <a:lnRef idx="2">
+            <a:schemeClr val="accent1">
+              <a:shade val="50000"/>
+            </a:schemeClr>
+          </a:lnRef>
+          <a:fillRef idx="1">
+            <a:schemeClr val="accent1"/>
+          </a:fillRef>
+          <a:effectRef idx="0">
+            <a:schemeClr val="accent1"/>
+          </a:effectRef>
+          <a:fontRef idx="minor">
+            <a:schemeClr val="lt1"/>
+          </a:fontRef>
+        </p:style>
+        <p:txBody>
+          <a:bodyPr rtlCol="0" anchor="t"/>
+          <a:lstStyle/>
+          <a:p>
+            <a:r>
+              <a:rPr lang="en-US" dirty="0"/>
+              <a:t>Memory Unit</a:t>
+            </a:r>
+            <a:br>
+              <a:rPr lang="en-US" dirty="0"/>
+            </a:br>
+            <a:r>
+              <a:rPr lang="en-US" dirty="0"/>
+              <a:t>(RAM)</a:t>
+            </a:r>
+          </a:p>
+        </p:txBody>
+      </p:sp>
+      <p:sp>
+        <p:nvSpPr>
+          <p:cNvPr id="6" name="Left-Right Arrow 5">
+            <a:extLst>
+              <a:ext uri="{FF2B5EF4-FFF2-40B4-BE49-F238E27FC236}">
+                <a16:creationId xmlns:a16="http://schemas.microsoft.com/office/drawing/2014/main" id="{849BE7AA-EE98-0546-B9B7-6E61857D1BA8}"/>
+              </a:ext>
+            </a:extLst>
+          </p:cNvPr>
+          <p:cNvSpPr/>
+          <p:nvPr/>
+        </p:nvSpPr>
+        <p:spPr>
+          <a:xfrm>
+            <a:off x="6978650" y="3172619"/>
+            <a:ext cx="1803400" cy="787400"/>
+          </a:xfrm>
+          <a:prstGeom prst="leftRightArrow">
+            <a:avLst>
+              <a:gd name="adj1" fmla="val 66129"/>
+              <a:gd name="adj2" fmla="val 50000"/>
+            </a:avLst>
+          </a:prstGeom>
+          <a:solidFill>
+            <a:schemeClr val="accent6"/>
+          </a:solidFill>
+        </p:spPr>
+        <p:style>
+          <a:lnRef idx="2">
+            <a:schemeClr val="accent1">
+              <a:shade val="50000"/>
+            </a:schemeClr>
+          </a:lnRef>
+          <a:fillRef idx="1">
+            <a:schemeClr val="accent1"/>
+          </a:fillRef>
+          <a:effectRef idx="0">
+            <a:schemeClr val="accent1"/>
+          </a:effectRef>
+          <a:fontRef idx="minor">
+            <a:schemeClr val="lt1"/>
+          </a:fontRef>
+        </p:style>
+        <p:txBody>
+          <a:bodyPr rtlCol="0" anchor="ctr"/>
+          <a:lstStyle/>
+          <a:p>
+            <a:pPr algn="ctr"/>
+            <a:r>
+              <a:rPr lang="en-US" dirty="0"/>
+              <a:t>Bus</a:t>
+            </a:r>
+          </a:p>
+        </p:txBody>
+      </p:sp>
+      <p:sp>
+        <p:nvSpPr>
+          <p:cNvPr id="7" name="Rounded Rectangle 6">
+            <a:extLst>
+              <a:ext uri="{FF2B5EF4-FFF2-40B4-BE49-F238E27FC236}">
+                <a16:creationId xmlns:a16="http://schemas.microsoft.com/office/drawing/2014/main" id="{8DF0CEA2-DF43-D545-B500-91C0A0B6B705}"/>
+              </a:ext>
+            </a:extLst>
+          </p:cNvPr>
+          <p:cNvSpPr/>
+          <p:nvPr/>
+        </p:nvSpPr>
+        <p:spPr>
+          <a:xfrm>
+            <a:off x="1709056" y="978807"/>
+            <a:ext cx="1088571" cy="466725"/>
+          </a:xfrm>
+          <a:prstGeom prst="roundRect">
+            <a:avLst/>
+          </a:prstGeom>
+          <a:solidFill>
+            <a:schemeClr val="accent5"/>
+          </a:solidFill>
+        </p:spPr>
+        <p:style>
+          <a:lnRef idx="3">
+            <a:schemeClr val="lt1"/>
+          </a:lnRef>
+          <a:fillRef idx="1">
+            <a:schemeClr val="accent1"/>
+          </a:fillRef>
+          <a:effectRef idx="1">
+            <a:schemeClr val="accent1"/>
+          </a:effectRef>
+          <a:fontRef idx="minor">
+            <a:schemeClr val="lt1"/>
+          </a:fontRef>
+        </p:style>
+        <p:txBody>
+          <a:bodyPr rtlCol="0" anchor="ctr"/>
+          <a:lstStyle/>
+          <a:p>
+            <a:pPr algn="ctr"/>
+            <a:r>
+              <a:rPr lang="en-US" sz="1000" dirty="0"/>
+              <a:t>Control Unit</a:t>
+            </a:r>
+          </a:p>
+        </p:txBody>
+      </p:sp>
+      <p:sp>
+        <p:nvSpPr>
+          <p:cNvPr id="8" name="Rounded Rectangle 7">
+            <a:extLst>
+              <a:ext uri="{FF2B5EF4-FFF2-40B4-BE49-F238E27FC236}">
+                <a16:creationId xmlns:a16="http://schemas.microsoft.com/office/drawing/2014/main" id="{D65A2220-6257-8D42-95B7-EA3DFD828291}"/>
+              </a:ext>
+            </a:extLst>
+          </p:cNvPr>
+          <p:cNvSpPr/>
+          <p:nvPr/>
+        </p:nvSpPr>
+        <p:spPr>
+          <a:xfrm>
+            <a:off x="1709056" y="1590221"/>
+            <a:ext cx="1088571" cy="466725"/>
+          </a:xfrm>
+          <a:prstGeom prst="roundRect">
+            <a:avLst/>
+          </a:prstGeom>
+          <a:solidFill>
+            <a:schemeClr val="accent5"/>
+          </a:solidFill>
+        </p:spPr>
+        <p:style>
+          <a:lnRef idx="3">
+            <a:schemeClr val="lt1"/>
+          </a:lnRef>
+          <a:fillRef idx="1">
+            <a:schemeClr val="accent1"/>
+          </a:fillRef>
+          <a:effectRef idx="1">
+            <a:schemeClr val="accent1"/>
+          </a:effectRef>
+          <a:fontRef idx="minor">
+            <a:schemeClr val="lt1"/>
+          </a:fontRef>
+        </p:style>
+        <p:txBody>
+          <a:bodyPr rtlCol="0" anchor="ctr"/>
+          <a:lstStyle/>
+          <a:p>
+            <a:pPr algn="ctr"/>
+            <a:r>
+              <a:rPr lang="en-US" sz="1000" dirty="0"/>
+              <a:t>Arithmetic Logic Unit (ALU)</a:t>
+            </a:r>
+          </a:p>
+        </p:txBody>
+      </p:sp>
+      <p:sp>
+        <p:nvSpPr>
+          <p:cNvPr id="9" name="Rounded Rectangle 8">
+            <a:extLst>
+              <a:ext uri="{FF2B5EF4-FFF2-40B4-BE49-F238E27FC236}">
+                <a16:creationId xmlns:a16="http://schemas.microsoft.com/office/drawing/2014/main" id="{D7DB85E7-C2F8-134D-B833-65E83DEA09F5}"/>
+              </a:ext>
+            </a:extLst>
+          </p:cNvPr>
+          <p:cNvSpPr/>
+          <p:nvPr/>
+        </p:nvSpPr>
+        <p:spPr>
+          <a:xfrm>
+            <a:off x="9334500" y="2841171"/>
+            <a:ext cx="1879600" cy="587829"/>
+          </a:xfrm>
+          <a:prstGeom prst="roundRect">
+            <a:avLst/>
+          </a:prstGeom>
+          <a:solidFill>
+            <a:schemeClr val="accent2"/>
+          </a:solidFill>
+        </p:spPr>
+        <p:style>
+          <a:lnRef idx="3">
+            <a:schemeClr val="lt1"/>
+          </a:lnRef>
+          <a:fillRef idx="1">
+            <a:schemeClr val="accent1"/>
+          </a:fillRef>
+          <a:effectRef idx="1">
+            <a:schemeClr val="accent1"/>
+          </a:effectRef>
+          <a:fontRef idx="minor">
+            <a:schemeClr val="lt1"/>
+          </a:fontRef>
+        </p:style>
+        <p:txBody>
+          <a:bodyPr rtlCol="0" anchor="ctr"/>
+          <a:lstStyle/>
+          <a:p>
+            <a:pPr algn="ctr"/>
+            <a:r>
+              <a:rPr lang="en-US" dirty="0"/>
+              <a:t>Program</a:t>
+            </a:r>
+          </a:p>
+        </p:txBody>
+      </p:sp>
+      <p:sp>
+        <p:nvSpPr>
+          <p:cNvPr id="10" name="Rounded Rectangle 9">
+            <a:extLst>
+              <a:ext uri="{FF2B5EF4-FFF2-40B4-BE49-F238E27FC236}">
+                <a16:creationId xmlns:a16="http://schemas.microsoft.com/office/drawing/2014/main" id="{13C4EFE7-0310-3D4B-B0A5-8B66225B4CC7}"/>
+              </a:ext>
+            </a:extLst>
+          </p:cNvPr>
+          <p:cNvSpPr/>
+          <p:nvPr/>
+        </p:nvSpPr>
+        <p:spPr>
+          <a:xfrm>
+            <a:off x="9334500" y="3765549"/>
+            <a:ext cx="1879600" cy="1611994"/>
+          </a:xfrm>
+          <a:prstGeom prst="roundRect">
+            <a:avLst/>
+          </a:prstGeom>
+          <a:solidFill>
+            <a:schemeClr val="accent2"/>
+          </a:solidFill>
+        </p:spPr>
+        <p:style>
+          <a:lnRef idx="3">
+            <a:schemeClr val="lt1"/>
+          </a:lnRef>
+          <a:fillRef idx="1">
+            <a:schemeClr val="accent1"/>
+          </a:fillRef>
+          <a:effectRef idx="1">
+            <a:schemeClr val="accent1"/>
+          </a:effectRef>
+          <a:fontRef idx="minor">
+            <a:schemeClr val="lt1"/>
+          </a:fontRef>
+        </p:style>
+        <p:txBody>
+          <a:bodyPr rtlCol="0" anchor="ctr"/>
+          <a:lstStyle/>
+          <a:p>
+            <a:pPr algn="ctr"/>
+            <a:r>
+              <a:rPr lang="en-US" dirty="0"/>
+              <a:t>Data</a:t>
+            </a:r>
+          </a:p>
+        </p:txBody>
+      </p:sp>
+      <p:sp>
+        <p:nvSpPr>
+          <p:cNvPr id="21" name="Rounded Rectangle 20">
+            <a:extLst>
+              <a:ext uri="{FF2B5EF4-FFF2-40B4-BE49-F238E27FC236}">
+                <a16:creationId xmlns:a16="http://schemas.microsoft.com/office/drawing/2014/main" id="{A61F615A-D655-7C49-9106-56545BCAB96F}"/>
+              </a:ext>
+            </a:extLst>
+          </p:cNvPr>
+          <p:cNvSpPr/>
+          <p:nvPr/>
+        </p:nvSpPr>
+        <p:spPr>
+          <a:xfrm>
+            <a:off x="5222422" y="884237"/>
+            <a:ext cx="1420584" cy="5712505"/>
+          </a:xfrm>
+          <a:prstGeom prst="roundRect">
+            <a:avLst>
+              <a:gd name="adj" fmla="val 6667"/>
+            </a:avLst>
+          </a:prstGeom>
+          <a:solidFill>
+            <a:srgbClr val="C00000"/>
+          </a:solidFill>
+        </p:spPr>
+        <p:style>
+          <a:lnRef idx="3">
+            <a:schemeClr val="lt1"/>
+          </a:lnRef>
+          <a:fillRef idx="1">
+            <a:schemeClr val="accent1"/>
+          </a:fillRef>
+          <a:effectRef idx="1">
+            <a:schemeClr val="accent1"/>
+          </a:effectRef>
+          <a:fontRef idx="minor">
+            <a:schemeClr val="lt1"/>
+          </a:fontRef>
+        </p:style>
+        <p:txBody>
+          <a:bodyPr rtlCol="0" anchor="ctr"/>
+          <a:lstStyle/>
+          <a:p>
+            <a:pPr algn="ctr"/>
+            <a:r>
+              <a:rPr lang="en-US" b="1" dirty="0"/>
+              <a:t>L3 Cache</a:t>
+            </a:r>
+          </a:p>
+          <a:p>
+            <a:pPr algn="ctr"/>
+            <a:r>
+              <a:rPr lang="en-US" dirty="0"/>
+              <a:t>30 MB</a:t>
+            </a:r>
+            <a:br>
+              <a:rPr lang="en-US" dirty="0"/>
+            </a:br>
+            <a:r>
+              <a:rPr lang="en-US" sz="1600" dirty="0"/>
+              <a:t>(2.5 MB/core)</a:t>
+            </a:r>
+            <a:endParaRPr lang="en-US" dirty="0"/>
+          </a:p>
+        </p:txBody>
+      </p:sp>
+      <p:sp>
+        <p:nvSpPr>
+          <p:cNvPr id="24" name="Rounded Rectangle 23">
+            <a:extLst>
+              <a:ext uri="{FF2B5EF4-FFF2-40B4-BE49-F238E27FC236}">
+                <a16:creationId xmlns:a16="http://schemas.microsoft.com/office/drawing/2014/main" id="{0A5B98C7-A58D-DE47-A0BB-B8D8C29629E9}"/>
+              </a:ext>
+            </a:extLst>
+          </p:cNvPr>
+          <p:cNvSpPr/>
+          <p:nvPr/>
+        </p:nvSpPr>
+        <p:spPr>
+          <a:xfrm>
+            <a:off x="2873827" y="978807"/>
+            <a:ext cx="683989" cy="1078140"/>
+          </a:xfrm>
+          <a:prstGeom prst="roundRect">
+            <a:avLst>
+              <a:gd name="adj" fmla="val 6667"/>
+            </a:avLst>
+          </a:prstGeom>
+          <a:solidFill>
+            <a:srgbClr val="C00000"/>
+          </a:solidFill>
+        </p:spPr>
+        <p:style>
+          <a:lnRef idx="3">
+            <a:schemeClr val="lt1"/>
+          </a:lnRef>
+          <a:fillRef idx="1">
+            <a:schemeClr val="accent1"/>
+          </a:fillRef>
+          <a:effectRef idx="1">
+            <a:schemeClr val="accent1"/>
+          </a:effectRef>
+          <a:fontRef idx="minor">
+            <a:schemeClr val="lt1"/>
+          </a:fontRef>
+        </p:style>
+        <p:txBody>
+          <a:bodyPr rtlCol="0" anchor="ctr"/>
+          <a:lstStyle/>
+          <a:p>
+            <a:pPr algn="ctr"/>
+            <a:r>
+              <a:rPr lang="en-US" sz="1000" b="1" dirty="0"/>
+              <a:t>L1 Cache</a:t>
+            </a:r>
+          </a:p>
+          <a:p>
+            <a:pPr algn="ctr"/>
+            <a:r>
+              <a:rPr lang="en-US" sz="1000" dirty="0"/>
+              <a:t>32 KB</a:t>
+            </a:r>
+          </a:p>
+        </p:txBody>
+      </p:sp>
+      <p:sp>
+        <p:nvSpPr>
+          <p:cNvPr id="25" name="Rounded Rectangle 24">
+            <a:extLst>
+              <a:ext uri="{FF2B5EF4-FFF2-40B4-BE49-F238E27FC236}">
+                <a16:creationId xmlns:a16="http://schemas.microsoft.com/office/drawing/2014/main" id="{CCA6098F-8E7F-AE40-8541-1AD66BE13D5D}"/>
+              </a:ext>
+            </a:extLst>
+          </p:cNvPr>
+          <p:cNvSpPr/>
+          <p:nvPr/>
+        </p:nvSpPr>
+        <p:spPr>
+          <a:xfrm>
+            <a:off x="3623133" y="978807"/>
+            <a:ext cx="1362526" cy="1078140"/>
+          </a:xfrm>
+          <a:prstGeom prst="roundRect">
+            <a:avLst>
+              <a:gd name="adj" fmla="val 6667"/>
+            </a:avLst>
+          </a:prstGeom>
+          <a:solidFill>
+            <a:srgbClr val="C00000"/>
+          </a:solidFill>
+        </p:spPr>
+        <p:style>
+          <a:lnRef idx="3">
+            <a:schemeClr val="lt1"/>
+          </a:lnRef>
+          <a:fillRef idx="1">
+            <a:schemeClr val="accent1"/>
+          </a:fillRef>
+          <a:effectRef idx="1">
+            <a:schemeClr val="accent1"/>
+          </a:effectRef>
+          <a:fontRef idx="minor">
+            <a:schemeClr val="lt1"/>
+          </a:fontRef>
+        </p:style>
+        <p:txBody>
+          <a:bodyPr rtlCol="0" anchor="ctr"/>
+          <a:lstStyle/>
+          <a:p>
+            <a:pPr algn="ctr"/>
+            <a:r>
+              <a:rPr lang="en-US" sz="1400" b="1" dirty="0"/>
+              <a:t>L2 Cache</a:t>
+            </a:r>
+          </a:p>
+          <a:p>
+            <a:pPr algn="ctr"/>
+            <a:r>
+              <a:rPr lang="en-US" sz="1400" dirty="0"/>
+              <a:t>256 KB</a:t>
+            </a:r>
+          </a:p>
+        </p:txBody>
+      </p:sp>
+      <p:sp>
+        <p:nvSpPr>
+          <p:cNvPr id="26" name="Rounded Rectangle 25">
+            <a:extLst>
+              <a:ext uri="{FF2B5EF4-FFF2-40B4-BE49-F238E27FC236}">
+                <a16:creationId xmlns:a16="http://schemas.microsoft.com/office/drawing/2014/main" id="{AB42572C-FC7E-B942-9115-E823E0236A86}"/>
+              </a:ext>
+            </a:extLst>
+          </p:cNvPr>
+          <p:cNvSpPr/>
+          <p:nvPr/>
+        </p:nvSpPr>
+        <p:spPr>
+          <a:xfrm>
+            <a:off x="1643741" y="884237"/>
+            <a:ext cx="3438075" cy="1282020"/>
+          </a:xfrm>
+          <a:prstGeom prst="roundRect">
+            <a:avLst>
+              <a:gd name="adj" fmla="val 9025"/>
+            </a:avLst>
+          </a:prstGeom>
+          <a:noFill/>
+        </p:spPr>
+        <p:style>
+          <a:lnRef idx="3">
+            <a:schemeClr val="lt1"/>
+          </a:lnRef>
+          <a:fillRef idx="1">
+            <a:schemeClr val="accent1"/>
+          </a:fillRef>
+          <a:effectRef idx="1">
+            <a:schemeClr val="accent1"/>
+          </a:effectRef>
+          <a:fontRef idx="minor">
+            <a:schemeClr val="lt1"/>
+          </a:fontRef>
+        </p:style>
+        <p:txBody>
+          <a:bodyPr rtlCol="0" anchor="ctr"/>
+          <a:lstStyle/>
+          <a:p>
+            <a:pPr algn="ctr"/>
+            <a:endParaRPr lang="en-US" sz="1000" dirty="0"/>
+          </a:p>
+        </p:txBody>
+      </p:sp>
+      <p:sp>
+        <p:nvSpPr>
+          <p:cNvPr id="27" name="Rounded Rectangle 26">
+            <a:extLst>
+              <a:ext uri="{FF2B5EF4-FFF2-40B4-BE49-F238E27FC236}">
+                <a16:creationId xmlns:a16="http://schemas.microsoft.com/office/drawing/2014/main" id="{6FEB4BE9-D53C-7E48-A558-7F51B286DC4C}"/>
+              </a:ext>
+            </a:extLst>
+          </p:cNvPr>
+          <p:cNvSpPr/>
+          <p:nvPr/>
+        </p:nvSpPr>
+        <p:spPr>
+          <a:xfrm>
+            <a:off x="1709056" y="2513693"/>
+            <a:ext cx="1088571" cy="466725"/>
+          </a:xfrm>
+          <a:prstGeom prst="roundRect">
+            <a:avLst/>
+          </a:prstGeom>
+          <a:solidFill>
+            <a:schemeClr val="accent5"/>
+          </a:solidFill>
+        </p:spPr>
+        <p:style>
+          <a:lnRef idx="3">
+            <a:schemeClr val="lt1"/>
+          </a:lnRef>
+          <a:fillRef idx="1">
+            <a:schemeClr val="accent1"/>
+          </a:fillRef>
+          <a:effectRef idx="1">
+            <a:schemeClr val="accent1"/>
+          </a:effectRef>
+          <a:fontRef idx="minor">
+            <a:schemeClr val="lt1"/>
+          </a:fontRef>
+        </p:style>
+        <p:txBody>
+          <a:bodyPr rtlCol="0" anchor="ctr"/>
+          <a:lstStyle/>
+          <a:p>
+            <a:pPr algn="ctr"/>
+            <a:r>
+              <a:rPr lang="en-US" sz="1000" dirty="0"/>
+              <a:t>Control Unit</a:t>
+            </a:r>
+          </a:p>
+        </p:txBody>
+      </p:sp>
+      <p:sp>
+        <p:nvSpPr>
+          <p:cNvPr id="28" name="Rounded Rectangle 27">
+            <a:extLst>
+              <a:ext uri="{FF2B5EF4-FFF2-40B4-BE49-F238E27FC236}">
+                <a16:creationId xmlns:a16="http://schemas.microsoft.com/office/drawing/2014/main" id="{C436B5B7-537B-2A42-BD8F-B2F074C65ADD}"/>
+              </a:ext>
+            </a:extLst>
+          </p:cNvPr>
+          <p:cNvSpPr/>
+          <p:nvPr/>
+        </p:nvSpPr>
+        <p:spPr>
+          <a:xfrm>
+            <a:off x="1709056" y="3125107"/>
+            <a:ext cx="1088571" cy="466725"/>
+          </a:xfrm>
+          <a:prstGeom prst="roundRect">
+            <a:avLst/>
+          </a:prstGeom>
+          <a:solidFill>
+            <a:schemeClr val="accent5"/>
+          </a:solidFill>
+        </p:spPr>
+        <p:style>
+          <a:lnRef idx="3">
+            <a:schemeClr val="lt1"/>
+          </a:lnRef>
+          <a:fillRef idx="1">
+            <a:schemeClr val="accent1"/>
+          </a:fillRef>
+          <a:effectRef idx="1">
+            <a:schemeClr val="accent1"/>
+          </a:effectRef>
+          <a:fontRef idx="minor">
+            <a:schemeClr val="lt1"/>
+          </a:fontRef>
+        </p:style>
+        <p:txBody>
+          <a:bodyPr rtlCol="0" anchor="ctr"/>
+          <a:lstStyle/>
+          <a:p>
+            <a:pPr algn="ctr"/>
+            <a:r>
+              <a:rPr lang="en-US" sz="1000" dirty="0"/>
+              <a:t>Arithmetic Logic Unit (ALU)</a:t>
+            </a:r>
+          </a:p>
+        </p:txBody>
+      </p:sp>
+      <p:sp>
+        <p:nvSpPr>
+          <p:cNvPr id="29" name="Rounded Rectangle 28">
+            <a:extLst>
+              <a:ext uri="{FF2B5EF4-FFF2-40B4-BE49-F238E27FC236}">
+                <a16:creationId xmlns:a16="http://schemas.microsoft.com/office/drawing/2014/main" id="{49C7EB3C-CC3A-E44E-9952-C095081534B5}"/>
+              </a:ext>
+            </a:extLst>
+          </p:cNvPr>
+          <p:cNvSpPr/>
+          <p:nvPr/>
+        </p:nvSpPr>
+        <p:spPr>
+          <a:xfrm>
+            <a:off x="2873828" y="2513693"/>
+            <a:ext cx="683988" cy="1078140"/>
+          </a:xfrm>
+          <a:prstGeom prst="roundRect">
+            <a:avLst>
+              <a:gd name="adj" fmla="val 6667"/>
+            </a:avLst>
+          </a:prstGeom>
+          <a:solidFill>
+            <a:srgbClr val="C00000"/>
+          </a:solidFill>
+        </p:spPr>
+        <p:style>
+          <a:lnRef idx="3">
+            <a:schemeClr val="lt1"/>
+          </a:lnRef>
+          <a:fillRef idx="1">
+            <a:schemeClr val="accent1"/>
+          </a:fillRef>
+          <a:effectRef idx="1">
+            <a:schemeClr val="accent1"/>
+          </a:effectRef>
+          <a:fontRef idx="minor">
+            <a:schemeClr val="lt1"/>
+          </a:fontRef>
+        </p:style>
+        <p:txBody>
+          <a:bodyPr rtlCol="0" anchor="ctr"/>
+          <a:lstStyle/>
+          <a:p>
+            <a:pPr algn="ctr"/>
+            <a:r>
+              <a:rPr lang="en-US" sz="1000" b="1" dirty="0"/>
+              <a:t>L1 Cache</a:t>
+            </a:r>
+          </a:p>
+          <a:p>
+            <a:pPr algn="ctr"/>
+            <a:r>
+              <a:rPr lang="en-US" sz="1000" dirty="0"/>
+              <a:t>32 KB</a:t>
+            </a:r>
+          </a:p>
+        </p:txBody>
+      </p:sp>
+      <p:sp>
+        <p:nvSpPr>
+          <p:cNvPr id="36" name="Rounded Rectangle 35">
+            <a:extLst>
+              <a:ext uri="{FF2B5EF4-FFF2-40B4-BE49-F238E27FC236}">
+                <a16:creationId xmlns:a16="http://schemas.microsoft.com/office/drawing/2014/main" id="{4587A64B-FF31-E84A-A840-F10FFF8C5B0F}"/>
+              </a:ext>
+            </a:extLst>
+          </p:cNvPr>
+          <p:cNvSpPr/>
+          <p:nvPr/>
+        </p:nvSpPr>
+        <p:spPr>
+          <a:xfrm>
+            <a:off x="3623133" y="2513693"/>
+            <a:ext cx="1362526" cy="1078140"/>
+          </a:xfrm>
+          <a:prstGeom prst="roundRect">
+            <a:avLst>
+              <a:gd name="adj" fmla="val 6667"/>
+            </a:avLst>
+          </a:prstGeom>
+          <a:solidFill>
+            <a:srgbClr val="C00000"/>
+          </a:solidFill>
+        </p:spPr>
+        <p:style>
+          <a:lnRef idx="3">
+            <a:schemeClr val="lt1"/>
+          </a:lnRef>
+          <a:fillRef idx="1">
+            <a:schemeClr val="accent1"/>
+          </a:fillRef>
+          <a:effectRef idx="1">
+            <a:schemeClr val="accent1"/>
+          </a:effectRef>
+          <a:fontRef idx="minor">
+            <a:schemeClr val="lt1"/>
+          </a:fontRef>
+        </p:style>
+        <p:txBody>
+          <a:bodyPr rtlCol="0" anchor="ctr"/>
+          <a:lstStyle/>
+          <a:p>
+            <a:pPr algn="ctr"/>
+            <a:r>
+              <a:rPr lang="en-US" sz="1400" b="1" dirty="0"/>
+              <a:t>L2 Cache</a:t>
+            </a:r>
+          </a:p>
+          <a:p>
+            <a:pPr algn="ctr"/>
+            <a:r>
+              <a:rPr lang="en-US" sz="1400" dirty="0"/>
+              <a:t>256 KB</a:t>
+            </a:r>
+          </a:p>
+        </p:txBody>
+      </p:sp>
+      <p:sp>
+        <p:nvSpPr>
+          <p:cNvPr id="37" name="Rounded Rectangle 36">
+            <a:extLst>
+              <a:ext uri="{FF2B5EF4-FFF2-40B4-BE49-F238E27FC236}">
+                <a16:creationId xmlns:a16="http://schemas.microsoft.com/office/drawing/2014/main" id="{EC0B4AF1-8F16-4B48-B309-85594EBA3F56}"/>
+              </a:ext>
+            </a:extLst>
+          </p:cNvPr>
+          <p:cNvSpPr/>
+          <p:nvPr/>
+        </p:nvSpPr>
+        <p:spPr>
+          <a:xfrm>
+            <a:off x="1643741" y="2419123"/>
+            <a:ext cx="3438075" cy="1282020"/>
+          </a:xfrm>
+          <a:prstGeom prst="roundRect">
+            <a:avLst>
+              <a:gd name="adj" fmla="val 9025"/>
+            </a:avLst>
+          </a:prstGeom>
+          <a:noFill/>
+        </p:spPr>
+        <p:style>
+          <a:lnRef idx="3">
+            <a:schemeClr val="lt1"/>
+          </a:lnRef>
+          <a:fillRef idx="1">
+            <a:schemeClr val="accent1"/>
+          </a:fillRef>
+          <a:effectRef idx="1">
+            <a:schemeClr val="accent1"/>
+          </a:effectRef>
+          <a:fontRef idx="minor">
+            <a:schemeClr val="lt1"/>
+          </a:fontRef>
+        </p:style>
+        <p:txBody>
+          <a:bodyPr rtlCol="0" anchor="ctr"/>
+          <a:lstStyle/>
+          <a:p>
+            <a:pPr algn="ctr"/>
+            <a:endParaRPr lang="en-US" sz="1000" dirty="0"/>
+          </a:p>
+        </p:txBody>
+      </p:sp>
+      <p:sp>
+        <p:nvSpPr>
+          <p:cNvPr id="38" name="Rounded Rectangle 37">
+            <a:extLst>
+              <a:ext uri="{FF2B5EF4-FFF2-40B4-BE49-F238E27FC236}">
+                <a16:creationId xmlns:a16="http://schemas.microsoft.com/office/drawing/2014/main" id="{6639D44D-34A5-574F-9988-8C18F07762C5}"/>
+              </a:ext>
+            </a:extLst>
+          </p:cNvPr>
+          <p:cNvSpPr/>
+          <p:nvPr/>
+        </p:nvSpPr>
+        <p:spPr>
+          <a:xfrm>
+            <a:off x="1709056" y="4015921"/>
+            <a:ext cx="1088571" cy="466725"/>
+          </a:xfrm>
+          <a:prstGeom prst="roundRect">
+            <a:avLst/>
+          </a:prstGeom>
+          <a:solidFill>
+            <a:schemeClr val="accent5"/>
+          </a:solidFill>
+        </p:spPr>
+        <p:style>
+          <a:lnRef idx="3">
+            <a:schemeClr val="lt1"/>
+          </a:lnRef>
+          <a:fillRef idx="1">
+            <a:schemeClr val="accent1"/>
+          </a:fillRef>
+          <a:effectRef idx="1">
+            <a:schemeClr val="accent1"/>
+          </a:effectRef>
+          <a:fontRef idx="minor">
+            <a:schemeClr val="lt1"/>
+          </a:fontRef>
+        </p:style>
+        <p:txBody>
+          <a:bodyPr rtlCol="0" anchor="ctr"/>
+          <a:lstStyle/>
+          <a:p>
+            <a:pPr algn="ctr"/>
+            <a:r>
+              <a:rPr lang="en-US" sz="1000" dirty="0"/>
+              <a:t>Control Unit</a:t>
+            </a:r>
+          </a:p>
+        </p:txBody>
+      </p:sp>
+      <p:sp>
+        <p:nvSpPr>
+          <p:cNvPr id="39" name="Rounded Rectangle 38">
+            <a:extLst>
+              <a:ext uri="{FF2B5EF4-FFF2-40B4-BE49-F238E27FC236}">
+                <a16:creationId xmlns:a16="http://schemas.microsoft.com/office/drawing/2014/main" id="{C88B72F7-01ED-5741-BA26-AE1958DEAA99}"/>
+              </a:ext>
+            </a:extLst>
+          </p:cNvPr>
+          <p:cNvSpPr/>
+          <p:nvPr/>
+        </p:nvSpPr>
+        <p:spPr>
+          <a:xfrm>
+            <a:off x="1709056" y="4627335"/>
+            <a:ext cx="1088571" cy="466725"/>
+          </a:xfrm>
+          <a:prstGeom prst="roundRect">
+            <a:avLst/>
+          </a:prstGeom>
+          <a:solidFill>
+            <a:schemeClr val="accent5"/>
+          </a:solidFill>
+        </p:spPr>
+        <p:style>
+          <a:lnRef idx="3">
+            <a:schemeClr val="lt1"/>
+          </a:lnRef>
+          <a:fillRef idx="1">
+            <a:schemeClr val="accent1"/>
+          </a:fillRef>
+          <a:effectRef idx="1">
+            <a:schemeClr val="accent1"/>
+          </a:effectRef>
+          <a:fontRef idx="minor">
+            <a:schemeClr val="lt1"/>
+          </a:fontRef>
+        </p:style>
+        <p:txBody>
+          <a:bodyPr rtlCol="0" anchor="ctr"/>
+          <a:lstStyle/>
+          <a:p>
+            <a:pPr algn="ctr"/>
+            <a:r>
+              <a:rPr lang="en-US" sz="1000" dirty="0"/>
+              <a:t>Arithmetic Logic Unit (ALU)</a:t>
+            </a:r>
+          </a:p>
+        </p:txBody>
+      </p:sp>
+      <p:sp>
+        <p:nvSpPr>
+          <p:cNvPr id="40" name="Rounded Rectangle 39">
+            <a:extLst>
+              <a:ext uri="{FF2B5EF4-FFF2-40B4-BE49-F238E27FC236}">
+                <a16:creationId xmlns:a16="http://schemas.microsoft.com/office/drawing/2014/main" id="{9BC6504E-D0F4-6C4D-AABD-48FD5C83CF8F}"/>
+              </a:ext>
+            </a:extLst>
+          </p:cNvPr>
+          <p:cNvSpPr/>
+          <p:nvPr/>
+        </p:nvSpPr>
+        <p:spPr>
+          <a:xfrm>
+            <a:off x="2873828" y="4015921"/>
+            <a:ext cx="683988" cy="1078140"/>
+          </a:xfrm>
+          <a:prstGeom prst="roundRect">
+            <a:avLst>
+              <a:gd name="adj" fmla="val 6667"/>
+            </a:avLst>
+          </a:prstGeom>
+          <a:solidFill>
+            <a:srgbClr val="C00000"/>
+          </a:solidFill>
+        </p:spPr>
+        <p:style>
+          <a:lnRef idx="3">
+            <a:schemeClr val="lt1"/>
+          </a:lnRef>
+          <a:fillRef idx="1">
+            <a:schemeClr val="accent1"/>
+          </a:fillRef>
+          <a:effectRef idx="1">
+            <a:schemeClr val="accent1"/>
+          </a:effectRef>
+          <a:fontRef idx="minor">
+            <a:schemeClr val="lt1"/>
+          </a:fontRef>
+        </p:style>
+        <p:txBody>
+          <a:bodyPr rtlCol="0" anchor="ctr"/>
+          <a:lstStyle/>
+          <a:p>
+            <a:pPr algn="ctr"/>
+            <a:r>
+              <a:rPr lang="en-US" sz="1000" b="1" dirty="0"/>
+              <a:t>L1 Cache</a:t>
+            </a:r>
+          </a:p>
+          <a:p>
+            <a:pPr algn="ctr"/>
+            <a:r>
+              <a:rPr lang="en-US" sz="1000" dirty="0"/>
+              <a:t>32 KB</a:t>
+            </a:r>
+          </a:p>
+        </p:txBody>
+      </p:sp>
+      <p:sp>
+        <p:nvSpPr>
+          <p:cNvPr id="41" name="Rounded Rectangle 40">
+            <a:extLst>
+              <a:ext uri="{FF2B5EF4-FFF2-40B4-BE49-F238E27FC236}">
+                <a16:creationId xmlns:a16="http://schemas.microsoft.com/office/drawing/2014/main" id="{48AF83AC-487E-CA4E-BFE1-9EA06BB20673}"/>
+              </a:ext>
+            </a:extLst>
+          </p:cNvPr>
+          <p:cNvSpPr/>
+          <p:nvPr/>
+        </p:nvSpPr>
+        <p:spPr>
+          <a:xfrm>
+            <a:off x="3623133" y="4015921"/>
+            <a:ext cx="1362526" cy="1078140"/>
+          </a:xfrm>
+          <a:prstGeom prst="roundRect">
+            <a:avLst>
+              <a:gd name="adj" fmla="val 6667"/>
+            </a:avLst>
+          </a:prstGeom>
+          <a:solidFill>
+            <a:srgbClr val="C00000"/>
+          </a:solidFill>
+        </p:spPr>
+        <p:style>
+          <a:lnRef idx="3">
+            <a:schemeClr val="lt1"/>
+          </a:lnRef>
+          <a:fillRef idx="1">
+            <a:schemeClr val="accent1"/>
+          </a:fillRef>
+          <a:effectRef idx="1">
+            <a:schemeClr val="accent1"/>
+          </a:effectRef>
+          <a:fontRef idx="minor">
+            <a:schemeClr val="lt1"/>
+          </a:fontRef>
+        </p:style>
+        <p:txBody>
+          <a:bodyPr rtlCol="0" anchor="ctr"/>
+          <a:lstStyle/>
+          <a:p>
+            <a:pPr algn="ctr"/>
+            <a:r>
+              <a:rPr lang="en-US" sz="1400" b="1" dirty="0"/>
+              <a:t>L2 Cache</a:t>
+            </a:r>
+          </a:p>
+          <a:p>
+            <a:pPr algn="ctr"/>
+            <a:r>
+              <a:rPr lang="en-US" sz="1400" dirty="0"/>
+              <a:t>256 KB</a:t>
+            </a:r>
+          </a:p>
+        </p:txBody>
+      </p:sp>
+      <p:sp>
+        <p:nvSpPr>
+          <p:cNvPr id="42" name="Rounded Rectangle 41">
+            <a:extLst>
+              <a:ext uri="{FF2B5EF4-FFF2-40B4-BE49-F238E27FC236}">
+                <a16:creationId xmlns:a16="http://schemas.microsoft.com/office/drawing/2014/main" id="{FD908D90-9099-8149-AE0E-8C32E7AF6F75}"/>
+              </a:ext>
+            </a:extLst>
+          </p:cNvPr>
+          <p:cNvSpPr/>
+          <p:nvPr/>
+        </p:nvSpPr>
+        <p:spPr>
+          <a:xfrm>
+            <a:off x="1643741" y="3921351"/>
+            <a:ext cx="3438075" cy="1282020"/>
+          </a:xfrm>
+          <a:prstGeom prst="roundRect">
+            <a:avLst>
+              <a:gd name="adj" fmla="val 9025"/>
+            </a:avLst>
+          </a:prstGeom>
+          <a:noFill/>
+        </p:spPr>
+        <p:style>
+          <a:lnRef idx="3">
+            <a:schemeClr val="lt1"/>
+          </a:lnRef>
+          <a:fillRef idx="1">
+            <a:schemeClr val="accent1"/>
+          </a:fillRef>
+          <a:effectRef idx="1">
+            <a:schemeClr val="accent1"/>
+          </a:effectRef>
+          <a:fontRef idx="minor">
+            <a:schemeClr val="lt1"/>
+          </a:fontRef>
+        </p:style>
+        <p:txBody>
+          <a:bodyPr rtlCol="0" anchor="ctr"/>
+          <a:lstStyle/>
+          <a:p>
+            <a:pPr algn="ctr"/>
+            <a:endParaRPr lang="en-US" sz="1000" dirty="0"/>
+          </a:p>
+        </p:txBody>
+      </p:sp>
+      <p:sp>
+        <p:nvSpPr>
+          <p:cNvPr id="2" name="TextBox 1">
+            <a:extLst>
+              <a:ext uri="{FF2B5EF4-FFF2-40B4-BE49-F238E27FC236}">
+                <a16:creationId xmlns:a16="http://schemas.microsoft.com/office/drawing/2014/main" id="{D166DC22-95C0-0F41-AE37-E2F6B7373A34}"/>
+              </a:ext>
+            </a:extLst>
+          </p:cNvPr>
+          <p:cNvSpPr txBox="1"/>
+          <p:nvPr/>
+        </p:nvSpPr>
+        <p:spPr>
+          <a:xfrm>
+            <a:off x="2964458" y="5423579"/>
+            <a:ext cx="538930" cy="707886"/>
+          </a:xfrm>
+          <a:prstGeom prst="rect">
+            <a:avLst/>
+          </a:prstGeom>
+          <a:noFill/>
+        </p:spPr>
+        <p:txBody>
+          <a:bodyPr wrap="none" rtlCol="0">
+            <a:spAutoFit/>
+          </a:bodyPr>
+          <a:lstStyle/>
+          <a:p>
+            <a:r>
+              <a:rPr lang="en-US" sz="4000">
+                <a:solidFill>
+                  <a:schemeClr val="bg1"/>
+                </a:solidFill>
+              </a:rPr>
+              <a:t>…</a:t>
+            </a:r>
+          </a:p>
+        </p:txBody>
+      </p:sp>
+      <p:sp>
+        <p:nvSpPr>
+          <p:cNvPr id="43" name="Rounded Rectangle 42">
+            <a:extLst>
+              <a:ext uri="{FF2B5EF4-FFF2-40B4-BE49-F238E27FC236}">
+                <a16:creationId xmlns:a16="http://schemas.microsoft.com/office/drawing/2014/main" id="{03018535-BD38-7243-8267-97C00902EB2D}"/>
+              </a:ext>
+            </a:extLst>
+          </p:cNvPr>
+          <p:cNvSpPr/>
+          <p:nvPr/>
+        </p:nvSpPr>
+        <p:spPr>
+          <a:xfrm>
+            <a:off x="1643741" y="5434466"/>
+            <a:ext cx="3438075" cy="1282020"/>
+          </a:xfrm>
+          <a:prstGeom prst="roundRect">
+            <a:avLst>
+              <a:gd name="adj" fmla="val 9025"/>
+            </a:avLst>
+          </a:prstGeom>
+          <a:noFill/>
+        </p:spPr>
+        <p:style>
+          <a:lnRef idx="3">
+            <a:schemeClr val="lt1"/>
+          </a:lnRef>
+          <a:fillRef idx="1">
+            <a:schemeClr val="accent1"/>
+          </a:fillRef>
+          <a:effectRef idx="1">
+            <a:schemeClr val="accent1"/>
+          </a:effectRef>
+          <a:fontRef idx="minor">
+            <a:schemeClr val="lt1"/>
+          </a:fontRef>
+        </p:style>
+        <p:txBody>
+          <a:bodyPr rtlCol="0" anchor="ctr"/>
+          <a:lstStyle/>
+          <a:p>
+            <a:pPr algn="ctr"/>
+            <a:endParaRPr lang="en-US" sz="1000" dirty="0"/>
+          </a:p>
+        </p:txBody>
+      </p:sp>
+      <p:sp>
+        <p:nvSpPr>
+          <p:cNvPr id="12" name="Rectangle 11">
+            <a:extLst>
+              <a:ext uri="{FF2B5EF4-FFF2-40B4-BE49-F238E27FC236}">
+                <a16:creationId xmlns:a16="http://schemas.microsoft.com/office/drawing/2014/main" id="{DC5A31E6-1910-7443-952F-1BA400E09AA5}"/>
+              </a:ext>
+            </a:extLst>
+          </p:cNvPr>
+          <p:cNvSpPr/>
+          <p:nvPr/>
+        </p:nvSpPr>
+        <p:spPr>
+          <a:xfrm>
+            <a:off x="1491343" y="6433456"/>
+            <a:ext cx="5335813" cy="307975"/>
+          </a:xfrm>
+          <a:prstGeom prst="rect">
+            <a:avLst/>
+          </a:prstGeom>
+          <a:solidFill>
+            <a:schemeClr val="bg1"/>
+          </a:solidFill>
+          <a:ln>
+            <a:noFill/>
+          </a:ln>
+        </p:spPr>
+        <p:style>
+          <a:lnRef idx="2">
+            <a:schemeClr val="accent1">
+              <a:shade val="50000"/>
+            </a:schemeClr>
+          </a:lnRef>
+          <a:fillRef idx="1">
+            <a:schemeClr val="accent1"/>
+          </a:fillRef>
+          <a:effectRef idx="0">
+            <a:schemeClr val="accent1"/>
+          </a:effectRef>
+          <a:fontRef idx="minor">
+            <a:schemeClr val="lt1"/>
+          </a:fontRef>
+        </p:style>
+        <p:txBody>
+          <a:bodyPr rtlCol="0" anchor="ctr"/>
+          <a:lstStyle/>
+          <a:p>
+            <a:pPr algn="ctr"/>
+            <a:endParaRPr lang="en-US"/>
+          </a:p>
+        </p:txBody>
+      </p:sp>
+    </p:spTree>
+    <p:extLst>
+      <p:ext uri="{BB962C8B-B14F-4D97-AF65-F5344CB8AC3E}">
+        <p14:creationId xmlns:p14="http://schemas.microsoft.com/office/powerpoint/2010/main" val="3709529886"/>
+      </p:ext>
+    </p:extLst>
+  </p:cSld>
+  <p:clrMapOvr>
+    <a:masterClrMapping/>
+  </p:clrMapOvr>
+</p:sld>
+</file>
+
+<file path=ppt/slides/slide5.xml><?xml version="1.0" encoding="utf-8"?>
+<p:sld xmlns:a="http://schemas.openxmlformats.org/drawingml/2006/main" xmlns:r="http://schemas.openxmlformats.org/officeDocument/2006/relationships" xmlns:p="http://schemas.openxmlformats.org/presentationml/2006/main">
+  <p:cSld>
+    <p:spTree>
+      <p:nvGrpSpPr>
+        <p:cNvPr id="1" name=""/>
+        <p:cNvGrpSpPr/>
+        <p:nvPr/>
+      </p:nvGrpSpPr>
+      <p:grpSpPr>
+        <a:xfrm>
+          <a:off x="0" y="0"/>
+          <a:ext cx="0" cy="0"/>
+          <a:chOff x="0" y="0"/>
+          <a:chExt cx="0" cy="0"/>
+        </a:xfrm>
+      </p:grpSpPr>
+      <p:sp>
+        <p:nvSpPr>
+          <p:cNvPr id="4" name="Rounded Rectangle 3">
+            <a:extLst>
+              <a:ext uri="{FF2B5EF4-FFF2-40B4-BE49-F238E27FC236}">
+                <a16:creationId xmlns:a16="http://schemas.microsoft.com/office/drawing/2014/main" id="{DB0941BD-B65A-CE43-A844-C55F99C41325}"/>
+              </a:ext>
+            </a:extLst>
+          </p:cNvPr>
+          <p:cNvSpPr/>
+          <p:nvPr/>
+        </p:nvSpPr>
+        <p:spPr>
+          <a:xfrm>
             <a:off x="1491343" y="261258"/>
             <a:ext cx="5303157" cy="5410200"/>
           </a:xfrm>
@@ -7974,7 +8372,7 @@
 </p:sld>
 </file>
 
-<file path=ppt/slides/slide5.xml><?xml version="1.0" encoding="utf-8"?>
+<file path=ppt/slides/slide6.xml><?xml version="1.0" encoding="utf-8"?>
 <p:sld xmlns:a="http://schemas.openxmlformats.org/drawingml/2006/main" xmlns:r="http://schemas.openxmlformats.org/officeDocument/2006/relationships" xmlns:p="http://schemas.openxmlformats.org/presentationml/2006/main">
   <p:cSld>
     <p:spTree>
